--- a/Presentation3.pptx
+++ b/Presentation3.pptx
@@ -7,12 +7,14 @@
   <p:sldIdLst>
     <p:sldId id="256" r:id="rId2"/>
     <p:sldId id="257" r:id="rId3"/>
-    <p:sldId id="258" r:id="rId4"/>
-    <p:sldId id="259" r:id="rId5"/>
-    <p:sldId id="260" r:id="rId6"/>
-    <p:sldId id="261" r:id="rId7"/>
-    <p:sldId id="262" r:id="rId8"/>
-    <p:sldId id="263" r:id="rId9"/>
+    <p:sldId id="264" r:id="rId4"/>
+    <p:sldId id="261" r:id="rId5"/>
+    <p:sldId id="258" r:id="rId6"/>
+    <p:sldId id="259" r:id="rId7"/>
+    <p:sldId id="260" r:id="rId8"/>
+    <p:sldId id="265" r:id="rId9"/>
+    <p:sldId id="262" r:id="rId10"/>
+    <p:sldId id="263" r:id="rId11"/>
   </p:sldIdLst>
   <p:sldSz cx="12192000" cy="6858000"/>
   <p:notesSz cx="6858000" cy="9144000"/>
@@ -865,7 +867,7 @@
             <a:fld id="{B61BEF0D-F0BB-DE4B-95CE-6DB70DBA9567}" type="datetimeFigureOut">
               <a:rPr lang="en-US" smtClean="0"/>
               <a:pPr/>
-              <a:t>9/18/21</a:t>
+              <a:t>9/19/21</a:t>
             </a:fld>
             <a:endParaRPr lang="en-US" dirty="0"/>
           </a:p>
@@ -1118,7 +1120,7 @@
             <a:fld id="{B61BEF0D-F0BB-DE4B-95CE-6DB70DBA9567}" type="datetimeFigureOut">
               <a:rPr lang="en-US" smtClean="0"/>
               <a:pPr/>
-              <a:t>9/18/21</a:t>
+              <a:t>9/19/21</a:t>
             </a:fld>
             <a:endParaRPr lang="en-US" dirty="0"/>
           </a:p>
@@ -1434,7 +1436,7 @@
             <a:fld id="{B61BEF0D-F0BB-DE4B-95CE-6DB70DBA9567}" type="datetimeFigureOut">
               <a:rPr lang="en-US" smtClean="0"/>
               <a:pPr/>
-              <a:t>9/18/21</a:t>
+              <a:t>9/19/21</a:t>
             </a:fld>
             <a:endParaRPr lang="en-US" dirty="0"/>
           </a:p>
@@ -1769,7 +1771,7 @@
             <a:fld id="{B61BEF0D-F0BB-DE4B-95CE-6DB70DBA9567}" type="datetimeFigureOut">
               <a:rPr lang="en-US" smtClean="0"/>
               <a:pPr/>
-              <a:t>9/18/21</a:t>
+              <a:t>9/19/21</a:t>
             </a:fld>
             <a:endParaRPr lang="en-US" dirty="0"/>
           </a:p>
@@ -2085,7 +2087,7 @@
             <a:fld id="{B61BEF0D-F0BB-DE4B-95CE-6DB70DBA9567}" type="datetimeFigureOut">
               <a:rPr lang="en-US" smtClean="0"/>
               <a:pPr/>
-              <a:t>9/18/21</a:t>
+              <a:t>9/19/21</a:t>
             </a:fld>
             <a:endParaRPr lang="en-US" dirty="0"/>
           </a:p>
@@ -2480,7 +2482,7 @@
             <a:fld id="{B61BEF0D-F0BB-DE4B-95CE-6DB70DBA9567}" type="datetimeFigureOut">
               <a:rPr lang="en-US" smtClean="0"/>
               <a:pPr/>
-              <a:t>9/18/21</a:t>
+              <a:t>9/19/21</a:t>
             </a:fld>
             <a:endParaRPr lang="en-US" dirty="0"/>
           </a:p>
@@ -2651,7 +2653,7 @@
           <a:p>
             <a:fld id="{55C6B4A9-1611-4792-9094-5F34BCA07E0B}" type="datetimeFigureOut">
               <a:rPr lang="en-US" smtClean="0"/>
-              <a:t>9/18/21</a:t>
+              <a:t>9/19/21</a:t>
             </a:fld>
             <a:endParaRPr lang="en-US" dirty="0"/>
           </a:p>
@@ -2832,7 +2834,7 @@
             <a:fld id="{B61BEF0D-F0BB-DE4B-95CE-6DB70DBA9567}" type="datetimeFigureOut">
               <a:rPr lang="en-US" smtClean="0"/>
               <a:pPr/>
-              <a:t>9/18/21</a:t>
+              <a:t>9/19/21</a:t>
             </a:fld>
             <a:endParaRPr lang="en-US" dirty="0"/>
           </a:p>
@@ -3004,7 +3006,7 @@
             <a:fld id="{B61BEF0D-F0BB-DE4B-95CE-6DB70DBA9567}" type="datetimeFigureOut">
               <a:rPr lang="en-US" smtClean="0"/>
               <a:pPr/>
-              <a:t>9/18/21</a:t>
+              <a:t>9/19/21</a:t>
             </a:fld>
             <a:endParaRPr lang="en-US" dirty="0"/>
           </a:p>
@@ -3253,7 +3255,7 @@
             <a:fld id="{B61BEF0D-F0BB-DE4B-95CE-6DB70DBA9567}" type="datetimeFigureOut">
               <a:rPr lang="en-US" smtClean="0"/>
               <a:pPr/>
-              <a:t>9/18/21</a:t>
+              <a:t>9/19/21</a:t>
             </a:fld>
             <a:endParaRPr lang="en-US" dirty="0"/>
           </a:p>
@@ -3486,7 +3488,7 @@
           <a:p>
             <a:fld id="{EB712588-04B1-427B-82EE-E8DB90309F08}" type="datetimeFigureOut">
               <a:rPr lang="en-US" smtClean="0"/>
-              <a:t>9/18/21</a:t>
+              <a:t>9/19/21</a:t>
             </a:fld>
             <a:endParaRPr lang="en-US" dirty="0"/>
           </a:p>
@@ -3861,7 +3863,7 @@
             <a:fld id="{B61BEF0D-F0BB-DE4B-95CE-6DB70DBA9567}" type="datetimeFigureOut">
               <a:rPr lang="en-US" smtClean="0"/>
               <a:pPr/>
-              <a:t>9/18/21</a:t>
+              <a:t>9/19/21</a:t>
             </a:fld>
             <a:endParaRPr lang="en-US" dirty="0"/>
           </a:p>
@@ -3986,7 +3988,7 @@
             <a:fld id="{B61BEF0D-F0BB-DE4B-95CE-6DB70DBA9567}" type="datetimeFigureOut">
               <a:rPr lang="en-US" smtClean="0"/>
               <a:pPr/>
-              <a:t>9/18/21</a:t>
+              <a:t>9/19/21</a:t>
             </a:fld>
             <a:endParaRPr lang="en-US" dirty="0"/>
           </a:p>
@@ -4083,7 +4085,7 @@
             <a:fld id="{B61BEF0D-F0BB-DE4B-95CE-6DB70DBA9567}" type="datetimeFigureOut">
               <a:rPr lang="en-US" smtClean="0"/>
               <a:pPr/>
-              <a:t>9/18/21</a:t>
+              <a:t>9/19/21</a:t>
             </a:fld>
             <a:endParaRPr lang="en-US" dirty="0"/>
           </a:p>
@@ -4339,7 +4341,7 @@
           <a:p>
             <a:fld id="{42A54C80-263E-416B-A8E0-580EDEADCBDC}" type="datetimeFigureOut">
               <a:rPr lang="en-US" smtClean="0"/>
-              <a:t>9/18/21</a:t>
+              <a:t>9/19/21</a:t>
             </a:fld>
             <a:endParaRPr lang="en-US" dirty="0"/>
           </a:p>
@@ -4646,7 +4648,7 @@
             <a:fld id="{B61BEF0D-F0BB-DE4B-95CE-6DB70DBA9567}" type="datetimeFigureOut">
               <a:rPr lang="en-US" smtClean="0"/>
               <a:pPr/>
-              <a:t>9/18/21</a:t>
+              <a:t>9/19/21</a:t>
             </a:fld>
             <a:endParaRPr lang="en-US" dirty="0"/>
           </a:p>
@@ -5349,7 +5351,7 @@
             <a:fld id="{B61BEF0D-F0BB-DE4B-95CE-6DB70DBA9567}" type="datetimeFigureOut">
               <a:rPr lang="en-US" smtClean="0"/>
               <a:pPr/>
-              <a:t>9/18/21</a:t>
+              <a:t>9/19/21</a:t>
             </a:fld>
             <a:endParaRPr lang="en-US" dirty="0"/>
           </a:p>
@@ -5952,841 +5954,7 @@
 </p:sld>
 </file>
 
-<file path=ppt/slides/slide2.xml><?xml version="1.0" encoding="utf-8"?>
-<p:sld xmlns:a="http://schemas.openxmlformats.org/drawingml/2006/main" xmlns:r="http://schemas.openxmlformats.org/officeDocument/2006/relationships" xmlns:p="http://schemas.openxmlformats.org/presentationml/2006/main">
-  <p:cSld>
-    <p:spTree>
-      <p:nvGrpSpPr>
-        <p:cNvPr id="1" name=""/>
-        <p:cNvGrpSpPr/>
-        <p:nvPr/>
-      </p:nvGrpSpPr>
-      <p:grpSpPr>
-        <a:xfrm>
-          <a:off x="0" y="0"/>
-          <a:ext cx="0" cy="0"/>
-          <a:chOff x="0" y="0"/>
-          <a:chExt cx="0" cy="0"/>
-        </a:xfrm>
-      </p:grpSpPr>
-      <p:sp>
-        <p:nvSpPr>
-          <p:cNvPr id="2" name="Title 1">
-            <a:extLst>
-              <a:ext uri="{FF2B5EF4-FFF2-40B4-BE49-F238E27FC236}">
-                <a16:creationId xmlns:a16="http://schemas.microsoft.com/office/drawing/2014/main" id="{31C913B4-F89F-1440-A843-B1469071FEFC}"/>
-              </a:ext>
-            </a:extLst>
-          </p:cNvPr>
-          <p:cNvSpPr>
-            <a:spLocks noGrp="1"/>
-          </p:cNvSpPr>
-          <p:nvPr>
-            <p:ph type="title"/>
-          </p:nvPr>
-        </p:nvSpPr>
-        <p:spPr/>
-        <p:txBody>
-          <a:bodyPr/>
-          <a:lstStyle/>
-          <a:p>
-            <a:r>
-              <a:rPr lang="sr-Latn-RS" dirty="0" err="1"/>
-              <a:t>Difficult</a:t>
-            </a:r>
-            <a:r>
-              <a:rPr lang="sr-Latn-RS" dirty="0"/>
-              <a:t> </a:t>
-            </a:r>
-            <a:r>
-              <a:rPr lang="sr-Latn-RS" dirty="0" err="1"/>
-              <a:t>properties</a:t>
-            </a:r>
-            <a:r>
-              <a:rPr lang="sr-Latn-RS" dirty="0"/>
-              <a:t> (</a:t>
-            </a:r>
-            <a:r>
-              <a:rPr lang="sr-Latn-RS" dirty="0" err="1"/>
-              <a:t>ass</a:t>
-            </a:r>
-            <a:r>
-              <a:rPr lang="sr-Latn-RS" dirty="0"/>
-              <a:t>. 0)</a:t>
-            </a:r>
-          </a:p>
-        </p:txBody>
-      </p:sp>
-      <p:sp>
-        <p:nvSpPr>
-          <p:cNvPr id="3" name="Content Placeholder 2">
-            <a:extLst>
-              <a:ext uri="{FF2B5EF4-FFF2-40B4-BE49-F238E27FC236}">
-                <a16:creationId xmlns:a16="http://schemas.microsoft.com/office/drawing/2014/main" id="{394D03F9-6048-4C4D-92C0-A59066340E40}"/>
-              </a:ext>
-            </a:extLst>
-          </p:cNvPr>
-          <p:cNvSpPr>
-            <a:spLocks noGrp="1"/>
-          </p:cNvSpPr>
-          <p:nvPr>
-            <p:ph idx="1"/>
-          </p:nvPr>
-        </p:nvSpPr>
-        <p:spPr>
-          <a:xfrm>
-            <a:off x="677334" y="3740727"/>
-            <a:ext cx="8596668" cy="2300635"/>
-          </a:xfrm>
-        </p:spPr>
-        <p:txBody>
-          <a:bodyPr/>
-          <a:lstStyle/>
-          <a:p>
-            <a:r>
-              <a:rPr lang="sr-Latn-RS" dirty="0"/>
-              <a:t>&lt;In ass.5 </a:t>
-            </a:r>
-            <a:r>
-              <a:rPr lang="sr-Latn-RS" dirty="0" err="1"/>
-              <a:t>when</a:t>
-            </a:r>
-            <a:r>
-              <a:rPr lang="sr-Latn-RS" dirty="0"/>
-              <a:t> </a:t>
-            </a:r>
-            <a:r>
-              <a:rPr lang="sr-Latn-RS" dirty="0" err="1"/>
-              <a:t>you</a:t>
-            </a:r>
-            <a:r>
-              <a:rPr lang="sr-Latn-RS" dirty="0"/>
-              <a:t> </a:t>
-            </a:r>
-            <a:r>
-              <a:rPr lang="sr-Latn-RS" dirty="0" err="1"/>
-              <a:t>generate</a:t>
-            </a:r>
-            <a:r>
-              <a:rPr lang="sr-Latn-RS" dirty="0"/>
-              <a:t> </a:t>
-            </a:r>
-            <a:r>
-              <a:rPr lang="sr-Latn-RS" dirty="0" err="1"/>
-              <a:t>the</a:t>
-            </a:r>
-            <a:r>
-              <a:rPr lang="sr-Latn-RS" dirty="0"/>
-              <a:t> </a:t>
-            </a:r>
-            <a:r>
-              <a:rPr lang="sr-Latn-RS" dirty="0" err="1"/>
-              <a:t>tree</a:t>
-            </a:r>
-            <a:r>
-              <a:rPr lang="sr-Latn-RS" dirty="0"/>
-              <a:t> </a:t>
-            </a:r>
-            <a:r>
-              <a:rPr lang="sr-Latn-RS" dirty="0" err="1"/>
-              <a:t>for</a:t>
-            </a:r>
-            <a:r>
-              <a:rPr lang="sr-Latn-RS" dirty="0"/>
-              <a:t> monk-2 </a:t>
-            </a:r>
-            <a:r>
-              <a:rPr lang="sr-Latn-RS" dirty="0" err="1"/>
-              <a:t>just</a:t>
-            </a:r>
-            <a:r>
-              <a:rPr lang="sr-Latn-RS" dirty="0"/>
-              <a:t> insert </a:t>
-            </a:r>
-            <a:r>
-              <a:rPr lang="sr-Latn-RS" dirty="0" err="1"/>
-              <a:t>the</a:t>
-            </a:r>
-            <a:r>
-              <a:rPr lang="sr-Latn-RS" dirty="0"/>
-              <a:t> </a:t>
-            </a:r>
-            <a:r>
-              <a:rPr lang="sr-Latn-RS" dirty="0" err="1"/>
-              <a:t>pic</a:t>
-            </a:r>
-            <a:r>
-              <a:rPr lang="sr-Latn-RS" dirty="0"/>
-              <a:t> </a:t>
-            </a:r>
-            <a:r>
-              <a:rPr lang="sr-Latn-RS" dirty="0" err="1"/>
-              <a:t>of</a:t>
-            </a:r>
-            <a:r>
-              <a:rPr lang="sr-Latn-RS" dirty="0"/>
-              <a:t> </a:t>
-            </a:r>
-            <a:r>
-              <a:rPr lang="sr-Latn-RS" dirty="0" err="1"/>
-              <a:t>the</a:t>
-            </a:r>
-            <a:r>
-              <a:rPr lang="sr-Latn-RS" dirty="0"/>
-              <a:t> </a:t>
-            </a:r>
-            <a:r>
-              <a:rPr lang="sr-Latn-RS" dirty="0" err="1"/>
-              <a:t>printed</a:t>
-            </a:r>
-            <a:r>
-              <a:rPr lang="sr-Latn-RS" dirty="0"/>
-              <a:t> </a:t>
-            </a:r>
-            <a:r>
-              <a:rPr lang="sr-Latn-RS" dirty="0" err="1"/>
-              <a:t>tree</a:t>
-            </a:r>
-            <a:r>
-              <a:rPr lang="sr-Latn-RS" dirty="0"/>
-              <a:t> here&gt;</a:t>
-            </a:r>
-          </a:p>
-        </p:txBody>
-      </p:sp>
-      <p:pic>
-        <p:nvPicPr>
-          <p:cNvPr id="5" name="Picture 4">
-            <a:extLst>
-              <a:ext uri="{FF2B5EF4-FFF2-40B4-BE49-F238E27FC236}">
-                <a16:creationId xmlns:a16="http://schemas.microsoft.com/office/drawing/2014/main" id="{DC52E2E0-4F51-B648-96B0-36CCC9D74825}"/>
-              </a:ext>
-            </a:extLst>
-          </p:cNvPr>
-          <p:cNvPicPr>
-            <a:picLocks noChangeAspect="1"/>
-          </p:cNvPicPr>
-          <p:nvPr/>
-        </p:nvPicPr>
-        <p:blipFill>
-          <a:blip r:embed="rId2"/>
-          <a:stretch>
-            <a:fillRect/>
-          </a:stretch>
-        </p:blipFill>
-        <p:spPr>
-          <a:xfrm>
-            <a:off x="677334" y="1632500"/>
-            <a:ext cx="7567551" cy="1484773"/>
-          </a:xfrm>
-          <a:prstGeom prst="rect">
-            <a:avLst/>
-          </a:prstGeom>
-        </p:spPr>
-      </p:pic>
-    </p:spTree>
-    <p:extLst>
-      <p:ext uri="{BB962C8B-B14F-4D97-AF65-F5344CB8AC3E}">
-        <p14:creationId xmlns:p14="http://schemas.microsoft.com/office/powerpoint/2010/main" val="824457942"/>
-      </p:ext>
-    </p:extLst>
-  </p:cSld>
-  <p:clrMapOvr>
-    <a:masterClrMapping/>
-  </p:clrMapOvr>
-</p:sld>
-</file>
-
-<file path=ppt/slides/slide3.xml><?xml version="1.0" encoding="utf-8"?>
-<p:sld xmlns:a="http://schemas.openxmlformats.org/drawingml/2006/main" xmlns:r="http://schemas.openxmlformats.org/officeDocument/2006/relationships" xmlns:p="http://schemas.openxmlformats.org/presentationml/2006/main">
-  <p:cSld>
-    <p:spTree>
-      <p:nvGrpSpPr>
-        <p:cNvPr id="1" name=""/>
-        <p:cNvGrpSpPr/>
-        <p:nvPr/>
-      </p:nvGrpSpPr>
-      <p:grpSpPr>
-        <a:xfrm>
-          <a:off x="0" y="0"/>
-          <a:ext cx="0" cy="0"/>
-          <a:chOff x="0" y="0"/>
-          <a:chExt cx="0" cy="0"/>
-        </a:xfrm>
-      </p:grpSpPr>
-      <p:sp>
-        <p:nvSpPr>
-          <p:cNvPr id="2" name="Title 1">
-            <a:extLst>
-              <a:ext uri="{FF2B5EF4-FFF2-40B4-BE49-F238E27FC236}">
-                <a16:creationId xmlns:a16="http://schemas.microsoft.com/office/drawing/2014/main" id="{C2A588BA-C723-4945-B4F4-E46FD4940DD4}"/>
-              </a:ext>
-            </a:extLst>
-          </p:cNvPr>
-          <p:cNvSpPr>
-            <a:spLocks noGrp="1"/>
-          </p:cNvSpPr>
-          <p:nvPr>
-            <p:ph type="title"/>
-          </p:nvPr>
-        </p:nvSpPr>
-        <p:spPr/>
-        <p:txBody>
-          <a:bodyPr/>
-          <a:lstStyle/>
-          <a:p>
-            <a:r>
-              <a:rPr lang="sr-Latn-RS" dirty="0" err="1"/>
-              <a:t>Entropies</a:t>
-            </a:r>
-            <a:r>
-              <a:rPr lang="sr-Latn-RS" dirty="0"/>
-              <a:t> </a:t>
-            </a:r>
-            <a:r>
-              <a:rPr lang="sr-Latn-RS" dirty="0" err="1"/>
-              <a:t>of</a:t>
-            </a:r>
-            <a:r>
-              <a:rPr lang="sr-Latn-RS" dirty="0"/>
-              <a:t> </a:t>
-            </a:r>
-            <a:r>
-              <a:rPr lang="sr-Latn-RS" dirty="0" err="1"/>
-              <a:t>the</a:t>
-            </a:r>
-            <a:r>
-              <a:rPr lang="sr-Latn-RS" dirty="0"/>
-              <a:t> MONK </a:t>
-            </a:r>
-            <a:r>
-              <a:rPr lang="sr-Latn-RS" dirty="0" err="1"/>
-              <a:t>datasets</a:t>
-            </a:r>
-            <a:r>
-              <a:rPr lang="sr-Latn-RS" dirty="0"/>
-              <a:t> (</a:t>
-            </a:r>
-            <a:r>
-              <a:rPr lang="sr-Latn-RS" dirty="0" err="1"/>
-              <a:t>ass</a:t>
-            </a:r>
-            <a:r>
-              <a:rPr lang="sr-Latn-RS" dirty="0"/>
-              <a:t> 1.)</a:t>
-            </a:r>
-          </a:p>
-        </p:txBody>
-      </p:sp>
-      <p:pic>
-        <p:nvPicPr>
-          <p:cNvPr id="6" name="Grafik 5">
-            <a:extLst>
-              <a:ext uri="{FF2B5EF4-FFF2-40B4-BE49-F238E27FC236}">
-                <a16:creationId xmlns:a16="http://schemas.microsoft.com/office/drawing/2014/main" id="{10445924-70A7-B045-A5D9-25D2F568B62F}"/>
-              </a:ext>
-            </a:extLst>
-          </p:cNvPr>
-          <p:cNvPicPr>
-            <a:picLocks noChangeAspect="1"/>
-          </p:cNvPicPr>
-          <p:nvPr/>
-        </p:nvPicPr>
-        <p:blipFill>
-          <a:blip r:embed="rId2"/>
-          <a:stretch>
-            <a:fillRect/>
-          </a:stretch>
-        </p:blipFill>
-        <p:spPr>
-          <a:xfrm>
-            <a:off x="3911600" y="2360961"/>
-            <a:ext cx="4368800" cy="2336800"/>
-          </a:xfrm>
-          <a:prstGeom prst="rect">
-            <a:avLst/>
-          </a:prstGeom>
-        </p:spPr>
-      </p:pic>
-    </p:spTree>
-    <p:extLst>
-      <p:ext uri="{BB962C8B-B14F-4D97-AF65-F5344CB8AC3E}">
-        <p14:creationId xmlns:p14="http://schemas.microsoft.com/office/powerpoint/2010/main" val="2866178681"/>
-      </p:ext>
-    </p:extLst>
-  </p:cSld>
-  <p:clrMapOvr>
-    <a:masterClrMapping/>
-  </p:clrMapOvr>
-</p:sld>
-</file>
-
-<file path=ppt/slides/slide4.xml><?xml version="1.0" encoding="utf-8"?>
-<p:sld xmlns:a="http://schemas.openxmlformats.org/drawingml/2006/main" xmlns:r="http://schemas.openxmlformats.org/officeDocument/2006/relationships" xmlns:p="http://schemas.openxmlformats.org/presentationml/2006/main">
-  <p:cSld>
-    <p:spTree>
-      <p:nvGrpSpPr>
-        <p:cNvPr id="1" name=""/>
-        <p:cNvGrpSpPr/>
-        <p:nvPr/>
-      </p:nvGrpSpPr>
-      <p:grpSpPr>
-        <a:xfrm>
-          <a:off x="0" y="0"/>
-          <a:ext cx="0" cy="0"/>
-          <a:chOff x="0" y="0"/>
-          <a:chExt cx="0" cy="0"/>
-        </a:xfrm>
-      </p:grpSpPr>
-      <p:sp>
-        <p:nvSpPr>
-          <p:cNvPr id="2" name="Title 1">
-            <a:extLst>
-              <a:ext uri="{FF2B5EF4-FFF2-40B4-BE49-F238E27FC236}">
-                <a16:creationId xmlns:a16="http://schemas.microsoft.com/office/drawing/2014/main" id="{A38DF5D5-2061-254B-AF5C-A16A8A86CD96}"/>
-              </a:ext>
-            </a:extLst>
-          </p:cNvPr>
-          <p:cNvSpPr>
-            <a:spLocks noGrp="1"/>
-          </p:cNvSpPr>
-          <p:nvPr>
-            <p:ph type="title"/>
-          </p:nvPr>
-        </p:nvSpPr>
-        <p:spPr/>
-        <p:txBody>
-          <a:bodyPr/>
-          <a:lstStyle/>
-          <a:p>
-            <a:r>
-              <a:rPr lang="sr-Latn-RS" dirty="0" err="1"/>
-              <a:t>Entropy</a:t>
-            </a:r>
-            <a:r>
-              <a:rPr lang="sr-Latn-RS" dirty="0"/>
-              <a:t> (</a:t>
-            </a:r>
-            <a:r>
-              <a:rPr lang="sr-Latn-RS" dirty="0" err="1"/>
-              <a:t>ass</a:t>
-            </a:r>
-            <a:r>
-              <a:rPr lang="sr-Latn-RS" dirty="0"/>
-              <a:t>. 2)</a:t>
-            </a:r>
-          </a:p>
-        </p:txBody>
-      </p:sp>
-      <p:pic>
-        <p:nvPicPr>
-          <p:cNvPr id="5" name="Content Placeholder 4">
-            <a:extLst>
-              <a:ext uri="{FF2B5EF4-FFF2-40B4-BE49-F238E27FC236}">
-                <a16:creationId xmlns:a16="http://schemas.microsoft.com/office/drawing/2014/main" id="{CB145948-E19A-DA44-A326-79BC2D3F57CC}"/>
-              </a:ext>
-            </a:extLst>
-          </p:cNvPr>
-          <p:cNvPicPr>
-            <a:picLocks noGrp="1" noChangeAspect="1"/>
-          </p:cNvPicPr>
-          <p:nvPr>
-            <p:ph idx="1"/>
-          </p:nvPr>
-        </p:nvPicPr>
-        <p:blipFill>
-          <a:blip r:embed="rId2"/>
-          <a:stretch>
-            <a:fillRect/>
-          </a:stretch>
-        </p:blipFill>
-        <p:spPr>
-          <a:xfrm>
-            <a:off x="784524" y="1652349"/>
-            <a:ext cx="4349618" cy="1078975"/>
-          </a:xfrm>
-        </p:spPr>
-      </p:pic>
-      <p:pic>
-        <p:nvPicPr>
-          <p:cNvPr id="7" name="Picture 6">
-            <a:extLst>
-              <a:ext uri="{FF2B5EF4-FFF2-40B4-BE49-F238E27FC236}">
-                <a16:creationId xmlns:a16="http://schemas.microsoft.com/office/drawing/2014/main" id="{20EC2A4E-C52A-8F45-B306-71AA70024B29}"/>
-              </a:ext>
-            </a:extLst>
-          </p:cNvPr>
-          <p:cNvPicPr>
-            <a:picLocks noChangeAspect="1"/>
-          </p:cNvPicPr>
-          <p:nvPr/>
-        </p:nvPicPr>
-        <p:blipFill>
-          <a:blip r:embed="rId3"/>
-          <a:stretch>
-            <a:fillRect/>
-          </a:stretch>
-        </p:blipFill>
-        <p:spPr>
-          <a:xfrm>
-            <a:off x="5134142" y="1652349"/>
-            <a:ext cx="6505440" cy="4879080"/>
-          </a:xfrm>
-          <a:prstGeom prst="rect">
-            <a:avLst/>
-          </a:prstGeom>
-        </p:spPr>
-      </p:pic>
-    </p:spTree>
-    <p:extLst>
-      <p:ext uri="{BB962C8B-B14F-4D97-AF65-F5344CB8AC3E}">
-        <p14:creationId xmlns:p14="http://schemas.microsoft.com/office/powerpoint/2010/main" val="2570048251"/>
-      </p:ext>
-    </p:extLst>
-  </p:cSld>
-  <p:clrMapOvr>
-    <a:masterClrMapping/>
-  </p:clrMapOvr>
-</p:sld>
-</file>
-
-<file path=ppt/slides/slide5.xml><?xml version="1.0" encoding="utf-8"?>
-<p:sld xmlns:a="http://schemas.openxmlformats.org/drawingml/2006/main" xmlns:r="http://schemas.openxmlformats.org/officeDocument/2006/relationships" xmlns:p="http://schemas.openxmlformats.org/presentationml/2006/main">
-  <p:cSld>
-    <p:spTree>
-      <p:nvGrpSpPr>
-        <p:cNvPr id="1" name=""/>
-        <p:cNvGrpSpPr/>
-        <p:nvPr/>
-      </p:nvGrpSpPr>
-      <p:grpSpPr>
-        <a:xfrm>
-          <a:off x="0" y="0"/>
-          <a:ext cx="0" cy="0"/>
-          <a:chOff x="0" y="0"/>
-          <a:chExt cx="0" cy="0"/>
-        </a:xfrm>
-      </p:grpSpPr>
-      <p:sp>
-        <p:nvSpPr>
-          <p:cNvPr id="2" name="Title 1">
-            <a:extLst>
-              <a:ext uri="{FF2B5EF4-FFF2-40B4-BE49-F238E27FC236}">
-                <a16:creationId xmlns:a16="http://schemas.microsoft.com/office/drawing/2014/main" id="{E0402A0A-0BA2-DC48-94F7-2E5072CE57AB}"/>
-              </a:ext>
-            </a:extLst>
-          </p:cNvPr>
-          <p:cNvSpPr>
-            <a:spLocks noGrp="1"/>
-          </p:cNvSpPr>
-          <p:nvPr>
-            <p:ph type="title"/>
-          </p:nvPr>
-        </p:nvSpPr>
-        <p:spPr/>
-        <p:txBody>
-          <a:bodyPr/>
-          <a:lstStyle/>
-          <a:p>
-            <a:r>
-              <a:rPr lang="sr-Latn-RS" dirty="0" err="1"/>
-              <a:t>Information</a:t>
-            </a:r>
-            <a:r>
-              <a:rPr lang="sr-Latn-RS" dirty="0"/>
-              <a:t> </a:t>
-            </a:r>
-            <a:r>
-              <a:rPr lang="sr-Latn-RS" dirty="0" err="1"/>
-              <a:t>gain</a:t>
-            </a:r>
-            <a:r>
-              <a:rPr lang="sr-Latn-RS" dirty="0"/>
-              <a:t> as a </a:t>
-            </a:r>
-            <a:r>
-              <a:rPr lang="sr-Latn-RS" dirty="0" err="1"/>
-              <a:t>heuristic</a:t>
-            </a:r>
-            <a:r>
-              <a:rPr lang="sr-Latn-RS" dirty="0"/>
-              <a:t> (</a:t>
-            </a:r>
-            <a:r>
-              <a:rPr lang="sr-Latn-RS" dirty="0" err="1"/>
-              <a:t>ass</a:t>
-            </a:r>
-            <a:r>
-              <a:rPr lang="sr-Latn-RS" dirty="0"/>
-              <a:t>. 3 &amp; 4)</a:t>
-            </a:r>
-          </a:p>
-        </p:txBody>
-      </p:sp>
-      <p:pic>
-        <p:nvPicPr>
-          <p:cNvPr id="5" name="Content Placeholder 4">
-            <a:extLst>
-              <a:ext uri="{FF2B5EF4-FFF2-40B4-BE49-F238E27FC236}">
-                <a16:creationId xmlns:a16="http://schemas.microsoft.com/office/drawing/2014/main" id="{60579181-A819-DB4E-9736-849C3D46D9C8}"/>
-              </a:ext>
-            </a:extLst>
-          </p:cNvPr>
-          <p:cNvPicPr>
-            <a:picLocks noGrp="1" noChangeAspect="1"/>
-          </p:cNvPicPr>
-          <p:nvPr>
-            <p:ph idx="1"/>
-          </p:nvPr>
-        </p:nvPicPr>
-        <p:blipFill>
-          <a:blip r:embed="rId2"/>
-          <a:stretch>
-            <a:fillRect/>
-          </a:stretch>
-        </p:blipFill>
-        <p:spPr>
-          <a:xfrm>
-            <a:off x="430549" y="2332460"/>
-            <a:ext cx="11330902" cy="2595141"/>
-          </a:xfrm>
-        </p:spPr>
-      </p:pic>
-    </p:spTree>
-    <p:extLst>
-      <p:ext uri="{BB962C8B-B14F-4D97-AF65-F5344CB8AC3E}">
-        <p14:creationId xmlns:p14="http://schemas.microsoft.com/office/powerpoint/2010/main" val="841498877"/>
-      </p:ext>
-    </p:extLst>
-  </p:cSld>
-  <p:clrMapOvr>
-    <a:masterClrMapping/>
-  </p:clrMapOvr>
-</p:sld>
-</file>
-
-<file path=ppt/slides/slide6.xml><?xml version="1.0" encoding="utf-8"?>
-<p:sld xmlns:a="http://schemas.openxmlformats.org/drawingml/2006/main" xmlns:r="http://schemas.openxmlformats.org/officeDocument/2006/relationships" xmlns:p="http://schemas.openxmlformats.org/presentationml/2006/main">
-  <p:cSld>
-    <p:spTree>
-      <p:nvGrpSpPr>
-        <p:cNvPr id="1" name=""/>
-        <p:cNvGrpSpPr/>
-        <p:nvPr/>
-      </p:nvGrpSpPr>
-      <p:grpSpPr>
-        <a:xfrm>
-          <a:off x="0" y="0"/>
-          <a:ext cx="0" cy="0"/>
-          <a:chOff x="0" y="0"/>
-          <a:chExt cx="0" cy="0"/>
-        </a:xfrm>
-      </p:grpSpPr>
-      <p:sp>
-        <p:nvSpPr>
-          <p:cNvPr id="2" name="Title 1">
-            <a:extLst>
-              <a:ext uri="{FF2B5EF4-FFF2-40B4-BE49-F238E27FC236}">
-                <a16:creationId xmlns:a16="http://schemas.microsoft.com/office/drawing/2014/main" id="{CF5D2076-D0EE-8141-B4B9-29807E7754D7}"/>
-              </a:ext>
-            </a:extLst>
-          </p:cNvPr>
-          <p:cNvSpPr>
-            <a:spLocks noGrp="1"/>
-          </p:cNvSpPr>
-          <p:nvPr>
-            <p:ph type="title"/>
-          </p:nvPr>
-        </p:nvSpPr>
-        <p:spPr/>
-        <p:txBody>
-          <a:bodyPr/>
-          <a:lstStyle/>
-          <a:p>
-            <a:r>
-              <a:rPr lang="sr-Latn-RS" dirty="0" err="1"/>
-              <a:t>Assignment</a:t>
-            </a:r>
-            <a:r>
-              <a:rPr lang="sr-Latn-RS" dirty="0"/>
-              <a:t> 5 </a:t>
-            </a:r>
-          </a:p>
-        </p:txBody>
-      </p:sp>
-      <p:pic>
-        <p:nvPicPr>
-          <p:cNvPr id="6" name="Grafik 5">
-            <a:extLst>
-              <a:ext uri="{FF2B5EF4-FFF2-40B4-BE49-F238E27FC236}">
-                <a16:creationId xmlns:a16="http://schemas.microsoft.com/office/drawing/2014/main" id="{0BC584FA-7130-9F40-AA0D-72CDBDED2951}"/>
-              </a:ext>
-            </a:extLst>
-          </p:cNvPr>
-          <p:cNvPicPr>
-            <a:picLocks noChangeAspect="1"/>
-          </p:cNvPicPr>
-          <p:nvPr/>
-        </p:nvPicPr>
-        <p:blipFill>
-          <a:blip r:embed="rId2"/>
-          <a:stretch>
-            <a:fillRect/>
-          </a:stretch>
-        </p:blipFill>
-        <p:spPr>
-          <a:xfrm>
-            <a:off x="3219450" y="2266950"/>
-            <a:ext cx="5753100" cy="2324100"/>
-          </a:xfrm>
-          <a:prstGeom prst="rect">
-            <a:avLst/>
-          </a:prstGeom>
-        </p:spPr>
-      </p:pic>
-    </p:spTree>
-    <p:extLst>
-      <p:ext uri="{BB962C8B-B14F-4D97-AF65-F5344CB8AC3E}">
-        <p14:creationId xmlns:p14="http://schemas.microsoft.com/office/powerpoint/2010/main" val="3516166451"/>
-      </p:ext>
-    </p:extLst>
-  </p:cSld>
-  <p:clrMapOvr>
-    <a:masterClrMapping/>
-  </p:clrMapOvr>
-</p:sld>
-</file>
-
-<file path=ppt/slides/slide7.xml><?xml version="1.0" encoding="utf-8"?>
-<p:sld xmlns:a="http://schemas.openxmlformats.org/drawingml/2006/main" xmlns:r="http://schemas.openxmlformats.org/officeDocument/2006/relationships" xmlns:p="http://schemas.openxmlformats.org/presentationml/2006/main">
-  <p:cSld>
-    <p:spTree>
-      <p:nvGrpSpPr>
-        <p:cNvPr id="1" name=""/>
-        <p:cNvGrpSpPr/>
-        <p:nvPr/>
-      </p:nvGrpSpPr>
-      <p:grpSpPr>
-        <a:xfrm>
-          <a:off x="0" y="0"/>
-          <a:ext cx="0" cy="0"/>
-          <a:chOff x="0" y="0"/>
-          <a:chExt cx="0" cy="0"/>
-        </a:xfrm>
-      </p:grpSpPr>
-      <p:sp>
-        <p:nvSpPr>
-          <p:cNvPr id="2" name="Title 1">
-            <a:extLst>
-              <a:ext uri="{FF2B5EF4-FFF2-40B4-BE49-F238E27FC236}">
-                <a16:creationId xmlns:a16="http://schemas.microsoft.com/office/drawing/2014/main" id="{CCC9D024-0284-7246-8359-1CE8E0189627}"/>
-              </a:ext>
-            </a:extLst>
-          </p:cNvPr>
-          <p:cNvSpPr>
-            <a:spLocks noGrp="1"/>
-          </p:cNvSpPr>
-          <p:nvPr>
-            <p:ph type="title"/>
-          </p:nvPr>
-        </p:nvSpPr>
-        <p:spPr/>
-        <p:txBody>
-          <a:bodyPr/>
-          <a:lstStyle/>
-          <a:p>
-            <a:r>
-              <a:rPr lang="sr-Latn-RS" dirty="0" err="1"/>
-              <a:t>Pruning</a:t>
-            </a:r>
-            <a:r>
-              <a:rPr lang="sr-Latn-RS" dirty="0"/>
-              <a:t> (</a:t>
-            </a:r>
-            <a:r>
-              <a:rPr lang="sr-Latn-RS" dirty="0" err="1"/>
-              <a:t>ass</a:t>
-            </a:r>
-            <a:r>
-              <a:rPr lang="sr-Latn-RS" dirty="0"/>
-              <a:t>. 6 &amp; 7)</a:t>
-            </a:r>
-          </a:p>
-        </p:txBody>
-      </p:sp>
-      <p:pic>
-        <p:nvPicPr>
-          <p:cNvPr id="5" name="Content Placeholder 4">
-            <a:extLst>
-              <a:ext uri="{FF2B5EF4-FFF2-40B4-BE49-F238E27FC236}">
-                <a16:creationId xmlns:a16="http://schemas.microsoft.com/office/drawing/2014/main" id="{DEA73D87-3830-2C4A-94D2-7BB971F73E51}"/>
-              </a:ext>
-            </a:extLst>
-          </p:cNvPr>
-          <p:cNvPicPr>
-            <a:picLocks noGrp="1" noChangeAspect="1"/>
-          </p:cNvPicPr>
-          <p:nvPr>
-            <p:ph idx="1"/>
-          </p:nvPr>
-        </p:nvPicPr>
-        <p:blipFill>
-          <a:blip r:embed="rId2"/>
-          <a:stretch>
-            <a:fillRect/>
-          </a:stretch>
-        </p:blipFill>
-        <p:spPr>
-          <a:xfrm>
-            <a:off x="167135" y="1591294"/>
-            <a:ext cx="6016830" cy="4512622"/>
-          </a:xfrm>
-        </p:spPr>
-      </p:pic>
-      <p:pic>
-        <p:nvPicPr>
-          <p:cNvPr id="9" name="Picture 8">
-            <a:extLst>
-              <a:ext uri="{FF2B5EF4-FFF2-40B4-BE49-F238E27FC236}">
-                <a16:creationId xmlns:a16="http://schemas.microsoft.com/office/drawing/2014/main" id="{DC41DD48-C44C-0E4C-BD17-454CD88ABD3F}"/>
-              </a:ext>
-            </a:extLst>
-          </p:cNvPr>
-          <p:cNvPicPr>
-            <a:picLocks noChangeAspect="1"/>
-          </p:cNvPicPr>
-          <p:nvPr/>
-        </p:nvPicPr>
-        <p:blipFill>
-          <a:blip r:embed="rId3"/>
-          <a:stretch>
-            <a:fillRect/>
-          </a:stretch>
-        </p:blipFill>
-        <p:spPr>
-          <a:xfrm>
-            <a:off x="6096000" y="1657268"/>
-            <a:ext cx="5928865" cy="4446648"/>
-          </a:xfrm>
-          <a:prstGeom prst="rect">
-            <a:avLst/>
-          </a:prstGeom>
-        </p:spPr>
-      </p:pic>
-    </p:spTree>
-    <p:extLst>
-      <p:ext uri="{BB962C8B-B14F-4D97-AF65-F5344CB8AC3E}">
-        <p14:creationId xmlns:p14="http://schemas.microsoft.com/office/powerpoint/2010/main" val="976900457"/>
-      </p:ext>
-    </p:extLst>
-  </p:cSld>
-  <p:clrMapOvr>
-    <a:masterClrMapping/>
-  </p:clrMapOvr>
-</p:sld>
-</file>
-
-<file path=ppt/slides/slide8.xml><?xml version="1.0" encoding="utf-8"?>
+<file path=ppt/slides/slide10.xml><?xml version="1.0" encoding="utf-8"?>
 <p:sld xmlns:a="http://schemas.openxmlformats.org/drawingml/2006/main" xmlns:r="http://schemas.openxmlformats.org/officeDocument/2006/relationships" xmlns:p="http://schemas.openxmlformats.org/presentationml/2006/main">
   <p:cSld>
     <p:spTree>
@@ -6920,8 +6088,229 @@
         </p:blipFill>
         <p:spPr>
           <a:xfrm>
-            <a:off x="5852628" y="1581341"/>
-            <a:ext cx="6222745" cy="4667059"/>
+            <a:off x="5852630" y="1581341"/>
+            <a:ext cx="5807624" cy="4355718"/>
+          </a:xfrm>
+          <a:prstGeom prst="rect">
+            <a:avLst/>
+          </a:prstGeom>
+        </p:spPr>
+      </p:pic>
+      <p:sp>
+        <p:nvSpPr>
+          <p:cNvPr id="6" name="Abgerundetes Rechteck 5">
+            <a:extLst>
+              <a:ext uri="{FF2B5EF4-FFF2-40B4-BE49-F238E27FC236}">
+                <a16:creationId xmlns:a16="http://schemas.microsoft.com/office/drawing/2014/main" id="{3E0320DA-7360-5145-9252-3E1CA2C53FE8}"/>
+              </a:ext>
+            </a:extLst>
+          </p:cNvPr>
+          <p:cNvSpPr/>
+          <p:nvPr/>
+        </p:nvSpPr>
+        <p:spPr>
+          <a:xfrm>
+            <a:off x="2784089" y="2082532"/>
+            <a:ext cx="617033" cy="3595474"/>
+          </a:xfrm>
+          <a:prstGeom prst="roundRect">
+            <a:avLst/>
+          </a:prstGeom>
+          <a:noFill/>
+          <a:ln w="38100">
+            <a:solidFill>
+              <a:schemeClr val="accent4"/>
+            </a:solidFill>
+          </a:ln>
+        </p:spPr>
+        <p:style>
+          <a:lnRef idx="2">
+            <a:schemeClr val="accent1">
+              <a:shade val="50000"/>
+            </a:schemeClr>
+          </a:lnRef>
+          <a:fillRef idx="1">
+            <a:schemeClr val="accent1"/>
+          </a:fillRef>
+          <a:effectRef idx="0">
+            <a:schemeClr val="accent1"/>
+          </a:effectRef>
+          <a:fontRef idx="minor">
+            <a:schemeClr val="lt1"/>
+          </a:fontRef>
+        </p:style>
+        <p:txBody>
+          <a:bodyPr rtlCol="0" anchor="ctr"/>
+          <a:lstStyle/>
+          <a:p>
+            <a:pPr algn="ctr"/>
+            <a:endParaRPr lang="en-US"/>
+          </a:p>
+        </p:txBody>
+      </p:sp>
+      <p:sp>
+        <p:nvSpPr>
+          <p:cNvPr id="7" name="Abgerundetes Rechteck 6">
+            <a:extLst>
+              <a:ext uri="{FF2B5EF4-FFF2-40B4-BE49-F238E27FC236}">
+                <a16:creationId xmlns:a16="http://schemas.microsoft.com/office/drawing/2014/main" id="{4C5F9DB4-9829-DA48-9535-3BB42D9D32B0}"/>
+              </a:ext>
+            </a:extLst>
+          </p:cNvPr>
+          <p:cNvSpPr/>
+          <p:nvPr/>
+        </p:nvSpPr>
+        <p:spPr>
+          <a:xfrm>
+            <a:off x="8520093" y="2098293"/>
+            <a:ext cx="617033" cy="3595474"/>
+          </a:xfrm>
+          <a:prstGeom prst="roundRect">
+            <a:avLst/>
+          </a:prstGeom>
+          <a:noFill/>
+          <a:ln w="38100">
+            <a:solidFill>
+              <a:schemeClr val="accent4"/>
+            </a:solidFill>
+          </a:ln>
+        </p:spPr>
+        <p:style>
+          <a:lnRef idx="2">
+            <a:schemeClr val="accent1">
+              <a:shade val="50000"/>
+            </a:schemeClr>
+          </a:lnRef>
+          <a:fillRef idx="1">
+            <a:schemeClr val="accent1"/>
+          </a:fillRef>
+          <a:effectRef idx="0">
+            <a:schemeClr val="accent1"/>
+          </a:effectRef>
+          <a:fontRef idx="minor">
+            <a:schemeClr val="lt1"/>
+          </a:fontRef>
+        </p:style>
+        <p:txBody>
+          <a:bodyPr rtlCol="0" anchor="ctr"/>
+          <a:lstStyle/>
+          <a:p>
+            <a:pPr algn="ctr"/>
+            <a:endParaRPr lang="en-US"/>
+          </a:p>
+        </p:txBody>
+      </p:sp>
+    </p:spTree>
+    <p:extLst>
+      <p:ext uri="{BB962C8B-B14F-4D97-AF65-F5344CB8AC3E}">
+        <p14:creationId xmlns:p14="http://schemas.microsoft.com/office/powerpoint/2010/main" val="3532463714"/>
+      </p:ext>
+    </p:extLst>
+  </p:cSld>
+  <p:clrMapOvr>
+    <a:masterClrMapping/>
+  </p:clrMapOvr>
+</p:sld>
+</file>
+
+<file path=ppt/slides/slide2.xml><?xml version="1.0" encoding="utf-8"?>
+<p:sld xmlns:a="http://schemas.openxmlformats.org/drawingml/2006/main" xmlns:r="http://schemas.openxmlformats.org/officeDocument/2006/relationships" xmlns:p="http://schemas.openxmlformats.org/presentationml/2006/main">
+  <p:cSld>
+    <p:bg>
+      <p:bgPr>
+        <a:solidFill>
+          <a:schemeClr val="bg1"/>
+        </a:solidFill>
+        <a:effectLst/>
+      </p:bgPr>
+    </p:bg>
+    <p:spTree>
+      <p:nvGrpSpPr>
+        <p:cNvPr id="1" name=""/>
+        <p:cNvGrpSpPr/>
+        <p:nvPr/>
+      </p:nvGrpSpPr>
+      <p:grpSpPr>
+        <a:xfrm>
+          <a:off x="0" y="0"/>
+          <a:ext cx="0" cy="0"/>
+          <a:chOff x="0" y="0"/>
+          <a:chExt cx="0" cy="0"/>
+        </a:xfrm>
+      </p:grpSpPr>
+      <p:sp>
+        <p:nvSpPr>
+          <p:cNvPr id="2" name="Title 1">
+            <a:extLst>
+              <a:ext uri="{FF2B5EF4-FFF2-40B4-BE49-F238E27FC236}">
+                <a16:creationId xmlns:a16="http://schemas.microsoft.com/office/drawing/2014/main" id="{31C913B4-F89F-1440-A843-B1469071FEFC}"/>
+              </a:ext>
+            </a:extLst>
+          </p:cNvPr>
+          <p:cNvSpPr>
+            <a:spLocks noGrp="1"/>
+          </p:cNvSpPr>
+          <p:nvPr>
+            <p:ph type="title"/>
+          </p:nvPr>
+        </p:nvSpPr>
+        <p:spPr>
+          <a:xfrm>
+            <a:off x="675064" y="609600"/>
+            <a:ext cx="5614223" cy="1320800"/>
+          </a:xfrm>
+        </p:spPr>
+        <p:txBody>
+          <a:bodyPr anchor="ctr">
+            <a:normAutofit/>
+          </a:bodyPr>
+          <a:lstStyle/>
+          <a:p>
+            <a:pPr>
+              <a:lnSpc>
+                <a:spcPct val="90000"/>
+              </a:lnSpc>
+            </a:pPr>
+            <a:r>
+              <a:rPr lang="sr-Latn-RS" sz="2800" dirty="0" err="1"/>
+              <a:t>Difficult</a:t>
+            </a:r>
+            <a:r>
+              <a:rPr lang="sr-Latn-RS" sz="2800" dirty="0"/>
+              <a:t> </a:t>
+            </a:r>
+            <a:r>
+              <a:rPr lang="sr-Latn-RS" sz="2800" dirty="0" err="1"/>
+              <a:t>properties</a:t>
+            </a:r>
+            <a:endParaRPr lang="sr-Latn-RS" sz="2800" dirty="0"/>
+          </a:p>
+        </p:txBody>
+      </p:sp>
+      <p:pic>
+        <p:nvPicPr>
+          <p:cNvPr id="5" name="Picture 4">
+            <a:extLst>
+              <a:ext uri="{FF2B5EF4-FFF2-40B4-BE49-F238E27FC236}">
+                <a16:creationId xmlns:a16="http://schemas.microsoft.com/office/drawing/2014/main" id="{DC52E2E0-4F51-B648-96B0-36CCC9D74825}"/>
+              </a:ext>
+            </a:extLst>
+          </p:cNvPr>
+          <p:cNvPicPr>
+            <a:picLocks noChangeAspect="1"/>
+          </p:cNvPicPr>
+          <p:nvPr/>
+        </p:nvPicPr>
+        <p:blipFill>
+          <a:blip r:embed="rId2"/>
+          <a:stretch>
+            <a:fillRect/>
+          </a:stretch>
+        </p:blipFill>
+        <p:spPr>
+          <a:xfrm>
+            <a:off x="867956" y="2409533"/>
+            <a:ext cx="10456088" cy="2038934"/>
           </a:xfrm>
           <a:prstGeom prst="rect">
             <a:avLst/>
@@ -6931,7 +6320,1212 @@
     </p:spTree>
     <p:extLst>
       <p:ext uri="{BB962C8B-B14F-4D97-AF65-F5344CB8AC3E}">
-        <p14:creationId xmlns:p14="http://schemas.microsoft.com/office/powerpoint/2010/main" val="3532463714"/>
+        <p14:creationId xmlns:p14="http://schemas.microsoft.com/office/powerpoint/2010/main" val="824457942"/>
+      </p:ext>
+    </p:extLst>
+  </p:cSld>
+  <p:clrMapOvr>
+    <a:masterClrMapping/>
+  </p:clrMapOvr>
+</p:sld>
+</file>
+
+<file path=ppt/slides/slide3.xml><?xml version="1.0" encoding="utf-8"?>
+<p:sld xmlns:a="http://schemas.openxmlformats.org/drawingml/2006/main" xmlns:r="http://schemas.openxmlformats.org/officeDocument/2006/relationships" xmlns:p="http://schemas.openxmlformats.org/presentationml/2006/main">
+  <p:cSld>
+    <p:spTree>
+      <p:nvGrpSpPr>
+        <p:cNvPr id="1" name=""/>
+        <p:cNvGrpSpPr/>
+        <p:nvPr/>
+      </p:nvGrpSpPr>
+      <p:grpSpPr>
+        <a:xfrm>
+          <a:off x="0" y="0"/>
+          <a:ext cx="0" cy="0"/>
+          <a:chOff x="0" y="0"/>
+          <a:chExt cx="0" cy="0"/>
+        </a:xfrm>
+      </p:grpSpPr>
+      <p:pic>
+        <p:nvPicPr>
+          <p:cNvPr id="6" name="Grafik 5">
+            <a:extLst>
+              <a:ext uri="{FF2B5EF4-FFF2-40B4-BE49-F238E27FC236}">
+                <a16:creationId xmlns:a16="http://schemas.microsoft.com/office/drawing/2014/main" id="{FF631AE3-4D90-9C44-B400-EA0B88BFB7F1}"/>
+              </a:ext>
+            </a:extLst>
+          </p:cNvPr>
+          <p:cNvPicPr>
+            <a:picLocks noChangeAspect="1"/>
+          </p:cNvPicPr>
+          <p:nvPr/>
+        </p:nvPicPr>
+        <p:blipFill>
+          <a:blip r:embed="rId2"/>
+          <a:stretch>
+            <a:fillRect/>
+          </a:stretch>
+        </p:blipFill>
+        <p:spPr>
+          <a:xfrm>
+            <a:off x="284342" y="2661470"/>
+            <a:ext cx="4887024" cy="2602341"/>
+          </a:xfrm>
+          <a:prstGeom prst="rect">
+            <a:avLst/>
+          </a:prstGeom>
+        </p:spPr>
+      </p:pic>
+      <p:pic>
+        <p:nvPicPr>
+          <p:cNvPr id="7" name="Grafik 6">
+            <a:extLst>
+              <a:ext uri="{FF2B5EF4-FFF2-40B4-BE49-F238E27FC236}">
+                <a16:creationId xmlns:a16="http://schemas.microsoft.com/office/drawing/2014/main" id="{8B76AF98-28D2-2244-84D2-8C69D67CC2B1}"/>
+              </a:ext>
+            </a:extLst>
+          </p:cNvPr>
+          <p:cNvPicPr>
+            <a:picLocks noChangeAspect="1"/>
+          </p:cNvPicPr>
+          <p:nvPr/>
+        </p:nvPicPr>
+        <p:blipFill>
+          <a:blip r:embed="rId3"/>
+          <a:stretch>
+            <a:fillRect/>
+          </a:stretch>
+        </p:blipFill>
+        <p:spPr>
+          <a:xfrm>
+            <a:off x="5614278" y="2661470"/>
+            <a:ext cx="6426159" cy="3196079"/>
+          </a:xfrm>
+          <a:prstGeom prst="rect">
+            <a:avLst/>
+          </a:prstGeom>
+        </p:spPr>
+      </p:pic>
+      <p:sp>
+        <p:nvSpPr>
+          <p:cNvPr id="11" name="Title 1">
+            <a:extLst>
+              <a:ext uri="{FF2B5EF4-FFF2-40B4-BE49-F238E27FC236}">
+                <a16:creationId xmlns:a16="http://schemas.microsoft.com/office/drawing/2014/main" id="{72B7B4C6-9B9F-5840-B662-7433C16B355B}"/>
+              </a:ext>
+            </a:extLst>
+          </p:cNvPr>
+          <p:cNvSpPr>
+            <a:spLocks noGrp="1"/>
+          </p:cNvSpPr>
+          <p:nvPr>
+            <p:ph type="title"/>
+          </p:nvPr>
+        </p:nvSpPr>
+        <p:spPr>
+          <a:xfrm>
+            <a:off x="675065" y="609600"/>
+            <a:ext cx="6283296" cy="1320800"/>
+          </a:xfrm>
+        </p:spPr>
+        <p:txBody>
+          <a:bodyPr anchor="ctr">
+            <a:normAutofit/>
+          </a:bodyPr>
+          <a:lstStyle/>
+          <a:p>
+            <a:pPr>
+              <a:lnSpc>
+                <a:spcPct val="90000"/>
+              </a:lnSpc>
+            </a:pPr>
+            <a:r>
+              <a:rPr lang="sr-Latn-RS" sz="2800" dirty="0" err="1"/>
+              <a:t>Tree</a:t>
+            </a:r>
+            <a:r>
+              <a:rPr lang="sr-Latn-RS" sz="2800" dirty="0"/>
+              <a:t> </a:t>
+            </a:r>
+            <a:r>
+              <a:rPr lang="sr-Latn-RS" sz="2800" dirty="0" err="1"/>
+              <a:t>size</a:t>
+            </a:r>
+            <a:r>
+              <a:rPr lang="sr-Latn-RS" sz="2800" dirty="0"/>
+              <a:t> </a:t>
+            </a:r>
+            <a:r>
+              <a:rPr lang="sr-Latn-RS" sz="2800" dirty="0" err="1"/>
+              <a:t>comparison</a:t>
+            </a:r>
+            <a:r>
+              <a:rPr lang="sr-Latn-RS" sz="2800" dirty="0"/>
+              <a:t> </a:t>
+            </a:r>
+          </a:p>
+        </p:txBody>
+      </p:sp>
+      <p:sp>
+        <p:nvSpPr>
+          <p:cNvPr id="12" name="Textfeld 11">
+            <a:extLst>
+              <a:ext uri="{FF2B5EF4-FFF2-40B4-BE49-F238E27FC236}">
+                <a16:creationId xmlns:a16="http://schemas.microsoft.com/office/drawing/2014/main" id="{D64CCA3E-48C1-0247-8FFC-4BB80132A790}"/>
+              </a:ext>
+            </a:extLst>
+          </p:cNvPr>
+          <p:cNvSpPr txBox="1"/>
+          <p:nvPr/>
+        </p:nvSpPr>
+        <p:spPr>
+          <a:xfrm>
+            <a:off x="1754670" y="2292138"/>
+            <a:ext cx="1946367" cy="369332"/>
+          </a:xfrm>
+          <a:prstGeom prst="rect">
+            <a:avLst/>
+          </a:prstGeom>
+          <a:noFill/>
+        </p:spPr>
+        <p:txBody>
+          <a:bodyPr wrap="none" rtlCol="0">
+            <a:spAutoFit/>
+          </a:bodyPr>
+          <a:lstStyle/>
+          <a:p>
+            <a:r>
+              <a:rPr lang="en-US" dirty="0"/>
+              <a:t>Full MONK-3 tree</a:t>
+            </a:r>
+          </a:p>
+        </p:txBody>
+      </p:sp>
+      <p:sp>
+        <p:nvSpPr>
+          <p:cNvPr id="13" name="Textfeld 12">
+            <a:extLst>
+              <a:ext uri="{FF2B5EF4-FFF2-40B4-BE49-F238E27FC236}">
+                <a16:creationId xmlns:a16="http://schemas.microsoft.com/office/drawing/2014/main" id="{573E9D08-0797-554F-9296-8358E93260F4}"/>
+              </a:ext>
+            </a:extLst>
+          </p:cNvPr>
+          <p:cNvSpPr txBox="1"/>
+          <p:nvPr/>
+        </p:nvSpPr>
+        <p:spPr>
+          <a:xfrm>
+            <a:off x="7854173" y="2292138"/>
+            <a:ext cx="2137124" cy="369332"/>
+          </a:xfrm>
+          <a:prstGeom prst="rect">
+            <a:avLst/>
+          </a:prstGeom>
+          <a:noFill/>
+        </p:spPr>
+        <p:txBody>
+          <a:bodyPr wrap="none" rtlCol="0">
+            <a:spAutoFit/>
+          </a:bodyPr>
+          <a:lstStyle/>
+          <a:p>
+            <a:r>
+              <a:rPr lang="en-US" dirty="0"/>
+              <a:t>Subtree of MONK-2</a:t>
+            </a:r>
+          </a:p>
+        </p:txBody>
+      </p:sp>
+    </p:spTree>
+    <p:extLst>
+      <p:ext uri="{BB962C8B-B14F-4D97-AF65-F5344CB8AC3E}">
+        <p14:creationId xmlns:p14="http://schemas.microsoft.com/office/powerpoint/2010/main" val="2479029896"/>
+      </p:ext>
+    </p:extLst>
+  </p:cSld>
+  <p:clrMapOvr>
+    <a:masterClrMapping/>
+  </p:clrMapOvr>
+</p:sld>
+</file>
+
+<file path=ppt/slides/slide4.xml><?xml version="1.0" encoding="utf-8"?>
+<p:sld xmlns:a="http://schemas.openxmlformats.org/drawingml/2006/main" xmlns:r="http://schemas.openxmlformats.org/officeDocument/2006/relationships" xmlns:p="http://schemas.openxmlformats.org/presentationml/2006/main">
+  <p:cSld>
+    <p:spTree>
+      <p:nvGrpSpPr>
+        <p:cNvPr id="1" name=""/>
+        <p:cNvGrpSpPr/>
+        <p:nvPr/>
+      </p:nvGrpSpPr>
+      <p:grpSpPr>
+        <a:xfrm>
+          <a:off x="0" y="0"/>
+          <a:ext cx="0" cy="0"/>
+          <a:chOff x="0" y="0"/>
+          <a:chExt cx="0" cy="0"/>
+        </a:xfrm>
+      </p:grpSpPr>
+      <p:sp>
+        <p:nvSpPr>
+          <p:cNvPr id="2" name="Title 1">
+            <a:extLst>
+              <a:ext uri="{FF2B5EF4-FFF2-40B4-BE49-F238E27FC236}">
+                <a16:creationId xmlns:a16="http://schemas.microsoft.com/office/drawing/2014/main" id="{CF5D2076-D0EE-8141-B4B9-29807E7754D7}"/>
+              </a:ext>
+            </a:extLst>
+          </p:cNvPr>
+          <p:cNvSpPr>
+            <a:spLocks noGrp="1"/>
+          </p:cNvSpPr>
+          <p:nvPr>
+            <p:ph type="title"/>
+          </p:nvPr>
+        </p:nvSpPr>
+        <p:spPr/>
+        <p:txBody>
+          <a:bodyPr/>
+          <a:lstStyle/>
+          <a:p>
+            <a:r>
+              <a:rPr lang="sr-Latn-RS" dirty="0" err="1"/>
+              <a:t>Assignment</a:t>
+            </a:r>
+            <a:r>
+              <a:rPr lang="sr-Latn-RS" dirty="0"/>
+              <a:t> 5 </a:t>
+            </a:r>
+          </a:p>
+        </p:txBody>
+      </p:sp>
+      <p:pic>
+        <p:nvPicPr>
+          <p:cNvPr id="6" name="Grafik 5">
+            <a:extLst>
+              <a:ext uri="{FF2B5EF4-FFF2-40B4-BE49-F238E27FC236}">
+                <a16:creationId xmlns:a16="http://schemas.microsoft.com/office/drawing/2014/main" id="{0BC584FA-7130-9F40-AA0D-72CDBDED2951}"/>
+              </a:ext>
+            </a:extLst>
+          </p:cNvPr>
+          <p:cNvPicPr>
+            <a:picLocks noChangeAspect="1"/>
+          </p:cNvPicPr>
+          <p:nvPr/>
+        </p:nvPicPr>
+        <p:blipFill>
+          <a:blip r:embed="rId2"/>
+          <a:stretch>
+            <a:fillRect/>
+          </a:stretch>
+        </p:blipFill>
+        <p:spPr>
+          <a:xfrm>
+            <a:off x="3219450" y="2266950"/>
+            <a:ext cx="5753100" cy="2324100"/>
+          </a:xfrm>
+          <a:prstGeom prst="rect">
+            <a:avLst/>
+          </a:prstGeom>
+        </p:spPr>
+      </p:pic>
+    </p:spTree>
+    <p:extLst>
+      <p:ext uri="{BB962C8B-B14F-4D97-AF65-F5344CB8AC3E}">
+        <p14:creationId xmlns:p14="http://schemas.microsoft.com/office/powerpoint/2010/main" val="3516166451"/>
+      </p:ext>
+    </p:extLst>
+  </p:cSld>
+  <p:clrMapOvr>
+    <a:masterClrMapping/>
+  </p:clrMapOvr>
+</p:sld>
+</file>
+
+<file path=ppt/slides/slide5.xml><?xml version="1.0" encoding="utf-8"?>
+<p:sld xmlns:a="http://schemas.openxmlformats.org/drawingml/2006/main" xmlns:r="http://schemas.openxmlformats.org/officeDocument/2006/relationships" xmlns:p="http://schemas.openxmlformats.org/presentationml/2006/main">
+  <p:cSld>
+    <p:spTree>
+      <p:nvGrpSpPr>
+        <p:cNvPr id="1" name=""/>
+        <p:cNvGrpSpPr/>
+        <p:nvPr/>
+      </p:nvGrpSpPr>
+      <p:grpSpPr>
+        <a:xfrm>
+          <a:off x="0" y="0"/>
+          <a:ext cx="0" cy="0"/>
+          <a:chOff x="0" y="0"/>
+          <a:chExt cx="0" cy="0"/>
+        </a:xfrm>
+      </p:grpSpPr>
+      <p:sp>
+        <p:nvSpPr>
+          <p:cNvPr id="2" name="Title 1">
+            <a:extLst>
+              <a:ext uri="{FF2B5EF4-FFF2-40B4-BE49-F238E27FC236}">
+                <a16:creationId xmlns:a16="http://schemas.microsoft.com/office/drawing/2014/main" id="{C2A588BA-C723-4945-B4F4-E46FD4940DD4}"/>
+              </a:ext>
+            </a:extLst>
+          </p:cNvPr>
+          <p:cNvSpPr>
+            <a:spLocks noGrp="1"/>
+          </p:cNvSpPr>
+          <p:nvPr>
+            <p:ph type="title"/>
+          </p:nvPr>
+        </p:nvSpPr>
+        <p:spPr/>
+        <p:txBody>
+          <a:bodyPr/>
+          <a:lstStyle/>
+          <a:p>
+            <a:r>
+              <a:rPr lang="sr-Latn-RS" dirty="0" err="1"/>
+              <a:t>Entropies</a:t>
+            </a:r>
+            <a:r>
+              <a:rPr lang="sr-Latn-RS" dirty="0"/>
+              <a:t> </a:t>
+            </a:r>
+            <a:r>
+              <a:rPr lang="sr-Latn-RS" dirty="0" err="1"/>
+              <a:t>of</a:t>
+            </a:r>
+            <a:r>
+              <a:rPr lang="sr-Latn-RS" dirty="0"/>
+              <a:t> </a:t>
+            </a:r>
+            <a:r>
+              <a:rPr lang="sr-Latn-RS" dirty="0" err="1"/>
+              <a:t>the</a:t>
+            </a:r>
+            <a:r>
+              <a:rPr lang="sr-Latn-RS" dirty="0"/>
+              <a:t> MONK </a:t>
+            </a:r>
+            <a:r>
+              <a:rPr lang="sr-Latn-RS" dirty="0" err="1"/>
+              <a:t>datasets</a:t>
+            </a:r>
+            <a:endParaRPr lang="sr-Latn-RS" dirty="0"/>
+          </a:p>
+        </p:txBody>
+      </p:sp>
+      <p:pic>
+        <p:nvPicPr>
+          <p:cNvPr id="6" name="Grafik 5">
+            <a:extLst>
+              <a:ext uri="{FF2B5EF4-FFF2-40B4-BE49-F238E27FC236}">
+                <a16:creationId xmlns:a16="http://schemas.microsoft.com/office/drawing/2014/main" id="{10445924-70A7-B045-A5D9-25D2F568B62F}"/>
+              </a:ext>
+            </a:extLst>
+          </p:cNvPr>
+          <p:cNvPicPr>
+            <a:picLocks noChangeAspect="1"/>
+          </p:cNvPicPr>
+          <p:nvPr/>
+        </p:nvPicPr>
+        <p:blipFill>
+          <a:blip r:embed="rId2"/>
+          <a:stretch>
+            <a:fillRect/>
+          </a:stretch>
+        </p:blipFill>
+        <p:spPr>
+          <a:xfrm>
+            <a:off x="3911600" y="2360961"/>
+            <a:ext cx="4368800" cy="2336800"/>
+          </a:xfrm>
+          <a:prstGeom prst="rect">
+            <a:avLst/>
+          </a:prstGeom>
+        </p:spPr>
+      </p:pic>
+    </p:spTree>
+    <p:extLst>
+      <p:ext uri="{BB962C8B-B14F-4D97-AF65-F5344CB8AC3E}">
+        <p14:creationId xmlns:p14="http://schemas.microsoft.com/office/powerpoint/2010/main" val="2866178681"/>
+      </p:ext>
+    </p:extLst>
+  </p:cSld>
+  <p:clrMapOvr>
+    <a:masterClrMapping/>
+  </p:clrMapOvr>
+</p:sld>
+</file>
+
+<file path=ppt/slides/slide6.xml><?xml version="1.0" encoding="utf-8"?>
+<p:sld xmlns:a="http://schemas.openxmlformats.org/drawingml/2006/main" xmlns:r="http://schemas.openxmlformats.org/officeDocument/2006/relationships" xmlns:p="http://schemas.openxmlformats.org/presentationml/2006/main">
+  <p:cSld>
+    <p:spTree>
+      <p:nvGrpSpPr>
+        <p:cNvPr id="1" name=""/>
+        <p:cNvGrpSpPr/>
+        <p:nvPr/>
+      </p:nvGrpSpPr>
+      <p:grpSpPr>
+        <a:xfrm>
+          <a:off x="0" y="0"/>
+          <a:ext cx="0" cy="0"/>
+          <a:chOff x="0" y="0"/>
+          <a:chExt cx="0" cy="0"/>
+        </a:xfrm>
+      </p:grpSpPr>
+      <p:sp>
+        <p:nvSpPr>
+          <p:cNvPr id="2" name="Title 1">
+            <a:extLst>
+              <a:ext uri="{FF2B5EF4-FFF2-40B4-BE49-F238E27FC236}">
+                <a16:creationId xmlns:a16="http://schemas.microsoft.com/office/drawing/2014/main" id="{A38DF5D5-2061-254B-AF5C-A16A8A86CD96}"/>
+              </a:ext>
+            </a:extLst>
+          </p:cNvPr>
+          <p:cNvSpPr>
+            <a:spLocks noGrp="1"/>
+          </p:cNvSpPr>
+          <p:nvPr>
+            <p:ph type="title"/>
+          </p:nvPr>
+        </p:nvSpPr>
+        <p:spPr/>
+        <p:txBody>
+          <a:bodyPr/>
+          <a:lstStyle/>
+          <a:p>
+            <a:r>
+              <a:rPr lang="sr-Latn-RS" dirty="0" err="1"/>
+              <a:t>Entropy</a:t>
+            </a:r>
+            <a:endParaRPr lang="sr-Latn-RS" dirty="0"/>
+          </a:p>
+        </p:txBody>
+      </p:sp>
+      <p:pic>
+        <p:nvPicPr>
+          <p:cNvPr id="5" name="Content Placeholder 4">
+            <a:extLst>
+              <a:ext uri="{FF2B5EF4-FFF2-40B4-BE49-F238E27FC236}">
+                <a16:creationId xmlns:a16="http://schemas.microsoft.com/office/drawing/2014/main" id="{CB145948-E19A-DA44-A326-79BC2D3F57CC}"/>
+              </a:ext>
+            </a:extLst>
+          </p:cNvPr>
+          <p:cNvPicPr>
+            <a:picLocks noGrp="1" noChangeAspect="1"/>
+          </p:cNvPicPr>
+          <p:nvPr>
+            <p:ph idx="1"/>
+          </p:nvPr>
+        </p:nvPicPr>
+        <p:blipFill>
+          <a:blip r:embed="rId2"/>
+          <a:stretch>
+            <a:fillRect/>
+          </a:stretch>
+        </p:blipFill>
+        <p:spPr>
+          <a:xfrm>
+            <a:off x="784524" y="1652349"/>
+            <a:ext cx="4349618" cy="1078975"/>
+          </a:xfrm>
+        </p:spPr>
+      </p:pic>
+      <p:pic>
+        <p:nvPicPr>
+          <p:cNvPr id="7" name="Picture 6">
+            <a:extLst>
+              <a:ext uri="{FF2B5EF4-FFF2-40B4-BE49-F238E27FC236}">
+                <a16:creationId xmlns:a16="http://schemas.microsoft.com/office/drawing/2014/main" id="{20EC2A4E-C52A-8F45-B306-71AA70024B29}"/>
+              </a:ext>
+            </a:extLst>
+          </p:cNvPr>
+          <p:cNvPicPr>
+            <a:picLocks noChangeAspect="1"/>
+          </p:cNvPicPr>
+          <p:nvPr/>
+        </p:nvPicPr>
+        <p:blipFill>
+          <a:blip r:embed="rId3"/>
+          <a:stretch>
+            <a:fillRect/>
+          </a:stretch>
+        </p:blipFill>
+        <p:spPr>
+          <a:xfrm>
+            <a:off x="5376786" y="1128242"/>
+            <a:ext cx="6505440" cy="4879080"/>
+          </a:xfrm>
+          <a:prstGeom prst="rect">
+            <a:avLst/>
+          </a:prstGeom>
+        </p:spPr>
+      </p:pic>
+      <p:sp>
+        <p:nvSpPr>
+          <p:cNvPr id="3" name="Textfeld 2">
+            <a:extLst>
+              <a:ext uri="{FF2B5EF4-FFF2-40B4-BE49-F238E27FC236}">
+                <a16:creationId xmlns:a16="http://schemas.microsoft.com/office/drawing/2014/main" id="{2D7158B0-CA28-A14E-B443-2DE4E86181BA}"/>
+              </a:ext>
+            </a:extLst>
+          </p:cNvPr>
+          <p:cNvSpPr txBox="1"/>
+          <p:nvPr/>
+        </p:nvSpPr>
+        <p:spPr>
+          <a:xfrm>
+            <a:off x="445553" y="3102738"/>
+            <a:ext cx="5163014" cy="2308324"/>
+          </a:xfrm>
+          <a:prstGeom prst="rect">
+            <a:avLst/>
+          </a:prstGeom>
+          <a:noFill/>
+        </p:spPr>
+        <p:txBody>
+          <a:bodyPr wrap="square" rtlCol="0">
+            <a:spAutoFit/>
+          </a:bodyPr>
+          <a:lstStyle/>
+          <a:p>
+            <a:r>
+              <a:rPr lang="en-US" dirty="0"/>
+              <a:t>Entropy – measure of data disorder</a:t>
+            </a:r>
+          </a:p>
+          <a:p>
+            <a:endParaRPr lang="en-US" dirty="0"/>
+          </a:p>
+          <a:p>
+            <a:r>
+              <a:rPr lang="en-US" dirty="0"/>
+              <a:t>Uniform distribution – every outcome has the same probability, hence most chaotic</a:t>
+            </a:r>
+          </a:p>
+          <a:p>
+            <a:endParaRPr lang="en-US" dirty="0"/>
+          </a:p>
+          <a:p>
+            <a:r>
+              <a:rPr lang="en-US" dirty="0"/>
+              <a:t>Non-uniform distribution - the higher probability of some outcomes reduces the disorder </a:t>
+            </a:r>
+          </a:p>
+        </p:txBody>
+      </p:sp>
+    </p:spTree>
+    <p:extLst>
+      <p:ext uri="{BB962C8B-B14F-4D97-AF65-F5344CB8AC3E}">
+        <p14:creationId xmlns:p14="http://schemas.microsoft.com/office/powerpoint/2010/main" val="2570048251"/>
+      </p:ext>
+    </p:extLst>
+  </p:cSld>
+  <p:clrMapOvr>
+    <a:masterClrMapping/>
+  </p:clrMapOvr>
+</p:sld>
+</file>
+
+<file path=ppt/slides/slide7.xml><?xml version="1.0" encoding="utf-8"?>
+<p:sld xmlns:a="http://schemas.openxmlformats.org/drawingml/2006/main" xmlns:r="http://schemas.openxmlformats.org/officeDocument/2006/relationships" xmlns:p="http://schemas.openxmlformats.org/presentationml/2006/main">
+  <p:cSld>
+    <p:spTree>
+      <p:nvGrpSpPr>
+        <p:cNvPr id="1" name=""/>
+        <p:cNvGrpSpPr/>
+        <p:nvPr/>
+      </p:nvGrpSpPr>
+      <p:grpSpPr>
+        <a:xfrm>
+          <a:off x="0" y="0"/>
+          <a:ext cx="0" cy="0"/>
+          <a:chOff x="0" y="0"/>
+          <a:chExt cx="0" cy="0"/>
+        </a:xfrm>
+      </p:grpSpPr>
+      <p:sp>
+        <p:nvSpPr>
+          <p:cNvPr id="2" name="Title 1">
+            <a:extLst>
+              <a:ext uri="{FF2B5EF4-FFF2-40B4-BE49-F238E27FC236}">
+                <a16:creationId xmlns:a16="http://schemas.microsoft.com/office/drawing/2014/main" id="{E0402A0A-0BA2-DC48-94F7-2E5072CE57AB}"/>
+              </a:ext>
+            </a:extLst>
+          </p:cNvPr>
+          <p:cNvSpPr>
+            <a:spLocks noGrp="1"/>
+          </p:cNvSpPr>
+          <p:nvPr>
+            <p:ph type="title"/>
+          </p:nvPr>
+        </p:nvSpPr>
+        <p:spPr/>
+        <p:txBody>
+          <a:bodyPr/>
+          <a:lstStyle/>
+          <a:p>
+            <a:r>
+              <a:rPr lang="sr-Latn-RS" dirty="0" err="1"/>
+              <a:t>Information</a:t>
+            </a:r>
+            <a:r>
+              <a:rPr lang="sr-Latn-RS" dirty="0"/>
+              <a:t> </a:t>
+            </a:r>
+            <a:r>
+              <a:rPr lang="sr-Latn-RS" dirty="0" err="1"/>
+              <a:t>gain</a:t>
+            </a:r>
+            <a:r>
+              <a:rPr lang="sr-Latn-RS" dirty="0"/>
+              <a:t> as a </a:t>
+            </a:r>
+            <a:r>
+              <a:rPr lang="sr-Latn-RS" dirty="0" err="1"/>
+              <a:t>heuristic</a:t>
+            </a:r>
+            <a:r>
+              <a:rPr lang="sr-Latn-RS" dirty="0"/>
+              <a:t> (</a:t>
+            </a:r>
+            <a:r>
+              <a:rPr lang="sr-Latn-RS" dirty="0" err="1"/>
+              <a:t>ass</a:t>
+            </a:r>
+            <a:r>
+              <a:rPr lang="sr-Latn-RS" dirty="0"/>
+              <a:t>. 3 &amp; 4)</a:t>
+            </a:r>
+          </a:p>
+        </p:txBody>
+      </p:sp>
+      <p:pic>
+        <p:nvPicPr>
+          <p:cNvPr id="5" name="Content Placeholder 4">
+            <a:extLst>
+              <a:ext uri="{FF2B5EF4-FFF2-40B4-BE49-F238E27FC236}">
+                <a16:creationId xmlns:a16="http://schemas.microsoft.com/office/drawing/2014/main" id="{60579181-A819-DB4E-9736-849C3D46D9C8}"/>
+              </a:ext>
+            </a:extLst>
+          </p:cNvPr>
+          <p:cNvPicPr>
+            <a:picLocks noGrp="1" noChangeAspect="1"/>
+          </p:cNvPicPr>
+          <p:nvPr>
+            <p:ph idx="1"/>
+          </p:nvPr>
+        </p:nvPicPr>
+        <p:blipFill>
+          <a:blip r:embed="rId2"/>
+          <a:stretch>
+            <a:fillRect/>
+          </a:stretch>
+        </p:blipFill>
+        <p:spPr>
+          <a:xfrm>
+            <a:off x="430549" y="2332460"/>
+            <a:ext cx="11330902" cy="2595141"/>
+          </a:xfrm>
+        </p:spPr>
+      </p:pic>
+      <p:sp>
+        <p:nvSpPr>
+          <p:cNvPr id="7" name="Abgerundetes Rechteck 6">
+            <a:extLst>
+              <a:ext uri="{FF2B5EF4-FFF2-40B4-BE49-F238E27FC236}">
+                <a16:creationId xmlns:a16="http://schemas.microsoft.com/office/drawing/2014/main" id="{CF5E4C67-EB96-174E-93B3-6F7EACFEAF31}"/>
+              </a:ext>
+            </a:extLst>
+          </p:cNvPr>
+          <p:cNvSpPr/>
+          <p:nvPr/>
+        </p:nvSpPr>
+        <p:spPr>
+          <a:xfrm>
+            <a:off x="3698489" y="4257284"/>
+            <a:ext cx="1497980" cy="392775"/>
+          </a:xfrm>
+          <a:prstGeom prst="roundRect">
+            <a:avLst/>
+          </a:prstGeom>
+          <a:noFill/>
+          <a:ln w="38100">
+            <a:solidFill>
+              <a:schemeClr val="accent4"/>
+            </a:solidFill>
+          </a:ln>
+        </p:spPr>
+        <p:style>
+          <a:lnRef idx="2">
+            <a:schemeClr val="accent1">
+              <a:shade val="50000"/>
+            </a:schemeClr>
+          </a:lnRef>
+          <a:fillRef idx="1">
+            <a:schemeClr val="accent1"/>
+          </a:fillRef>
+          <a:effectRef idx="0">
+            <a:schemeClr val="accent1"/>
+          </a:effectRef>
+          <a:fontRef idx="minor">
+            <a:schemeClr val="lt1"/>
+          </a:fontRef>
+        </p:style>
+        <p:txBody>
+          <a:bodyPr rtlCol="0" anchor="ctr"/>
+          <a:lstStyle/>
+          <a:p>
+            <a:pPr algn="ctr"/>
+            <a:endParaRPr lang="en-US"/>
+          </a:p>
+        </p:txBody>
+      </p:sp>
+      <p:sp>
+        <p:nvSpPr>
+          <p:cNvPr id="8" name="Abgerundetes Rechteck 7">
+            <a:extLst>
+              <a:ext uri="{FF2B5EF4-FFF2-40B4-BE49-F238E27FC236}">
+                <a16:creationId xmlns:a16="http://schemas.microsoft.com/office/drawing/2014/main" id="{CE320B63-CBB6-614A-9641-8ACCE61E654B}"/>
+              </a:ext>
+            </a:extLst>
+          </p:cNvPr>
+          <p:cNvSpPr/>
+          <p:nvPr/>
+        </p:nvSpPr>
+        <p:spPr>
+          <a:xfrm>
+            <a:off x="8251903" y="3851655"/>
+            <a:ext cx="1497980" cy="392775"/>
+          </a:xfrm>
+          <a:prstGeom prst="roundRect">
+            <a:avLst/>
+          </a:prstGeom>
+          <a:noFill/>
+          <a:ln w="38100">
+            <a:solidFill>
+              <a:schemeClr val="accent4"/>
+            </a:solidFill>
+          </a:ln>
+        </p:spPr>
+        <p:style>
+          <a:lnRef idx="2">
+            <a:schemeClr val="accent1">
+              <a:shade val="50000"/>
+            </a:schemeClr>
+          </a:lnRef>
+          <a:fillRef idx="1">
+            <a:schemeClr val="accent1"/>
+          </a:fillRef>
+          <a:effectRef idx="0">
+            <a:schemeClr val="accent1"/>
+          </a:effectRef>
+          <a:fontRef idx="minor">
+            <a:schemeClr val="lt1"/>
+          </a:fontRef>
+        </p:style>
+        <p:txBody>
+          <a:bodyPr rtlCol="0" anchor="ctr"/>
+          <a:lstStyle/>
+          <a:p>
+            <a:pPr algn="ctr"/>
+            <a:endParaRPr lang="en-US"/>
+          </a:p>
+        </p:txBody>
+      </p:sp>
+      <p:sp>
+        <p:nvSpPr>
+          <p:cNvPr id="9" name="Abgerundetes Rechteck 8">
+            <a:extLst>
+              <a:ext uri="{FF2B5EF4-FFF2-40B4-BE49-F238E27FC236}">
+                <a16:creationId xmlns:a16="http://schemas.microsoft.com/office/drawing/2014/main" id="{C867B776-D203-1A46-B053-5475C20CB50A}"/>
+              </a:ext>
+            </a:extLst>
+          </p:cNvPr>
+          <p:cNvSpPr/>
+          <p:nvPr/>
+        </p:nvSpPr>
+        <p:spPr>
+          <a:xfrm>
+            <a:off x="8251903" y="3433642"/>
+            <a:ext cx="1497980" cy="392775"/>
+          </a:xfrm>
+          <a:prstGeom prst="roundRect">
+            <a:avLst/>
+          </a:prstGeom>
+          <a:noFill/>
+          <a:ln w="38100">
+            <a:solidFill>
+              <a:schemeClr val="accent4"/>
+            </a:solidFill>
+          </a:ln>
+        </p:spPr>
+        <p:style>
+          <a:lnRef idx="2">
+            <a:schemeClr val="accent1">
+              <a:shade val="50000"/>
+            </a:schemeClr>
+          </a:lnRef>
+          <a:fillRef idx="1">
+            <a:schemeClr val="accent1"/>
+          </a:fillRef>
+          <a:effectRef idx="0">
+            <a:schemeClr val="accent1"/>
+          </a:effectRef>
+          <a:fontRef idx="minor">
+            <a:schemeClr val="lt1"/>
+          </a:fontRef>
+        </p:style>
+        <p:txBody>
+          <a:bodyPr rtlCol="0" anchor="ctr"/>
+          <a:lstStyle/>
+          <a:p>
+            <a:pPr algn="ctr"/>
+            <a:endParaRPr lang="en-US"/>
+          </a:p>
+        </p:txBody>
+      </p:sp>
+    </p:spTree>
+    <p:extLst>
+      <p:ext uri="{BB962C8B-B14F-4D97-AF65-F5344CB8AC3E}">
+        <p14:creationId xmlns:p14="http://schemas.microsoft.com/office/powerpoint/2010/main" val="841498877"/>
+      </p:ext>
+    </p:extLst>
+  </p:cSld>
+  <p:clrMapOvr>
+    <a:masterClrMapping/>
+  </p:clrMapOvr>
+</p:sld>
+</file>
+
+<file path=ppt/slides/slide8.xml><?xml version="1.0" encoding="utf-8"?>
+<p:sld xmlns:a="http://schemas.openxmlformats.org/drawingml/2006/main" xmlns:r="http://schemas.openxmlformats.org/officeDocument/2006/relationships" xmlns:p="http://schemas.openxmlformats.org/presentationml/2006/main">
+  <p:cSld>
+    <p:spTree>
+      <p:nvGrpSpPr>
+        <p:cNvPr id="1" name=""/>
+        <p:cNvGrpSpPr/>
+        <p:nvPr/>
+      </p:nvGrpSpPr>
+      <p:grpSpPr>
+        <a:xfrm>
+          <a:off x="0" y="0"/>
+          <a:ext cx="0" cy="0"/>
+          <a:chOff x="0" y="0"/>
+          <a:chExt cx="0" cy="0"/>
+        </a:xfrm>
+      </p:grpSpPr>
+      <p:sp>
+        <p:nvSpPr>
+          <p:cNvPr id="2" name="Title 1">
+            <a:extLst>
+              <a:ext uri="{FF2B5EF4-FFF2-40B4-BE49-F238E27FC236}">
+                <a16:creationId xmlns:a16="http://schemas.microsoft.com/office/drawing/2014/main" id="{C2A588BA-C723-4945-B4F4-E46FD4940DD4}"/>
+              </a:ext>
+            </a:extLst>
+          </p:cNvPr>
+          <p:cNvSpPr>
+            <a:spLocks noGrp="1"/>
+          </p:cNvSpPr>
+          <p:nvPr>
+            <p:ph type="title"/>
+          </p:nvPr>
+        </p:nvSpPr>
+        <p:spPr/>
+        <p:txBody>
+          <a:bodyPr/>
+          <a:lstStyle/>
+          <a:p>
+            <a:r>
+              <a:rPr lang="sr-Latn-RS" dirty="0" err="1"/>
+              <a:t>Max</a:t>
+            </a:r>
+            <a:r>
+              <a:rPr lang="sr-Latn-RS" dirty="0"/>
+              <a:t> </a:t>
+            </a:r>
+            <a:r>
+              <a:rPr lang="sr-Latn-RS" dirty="0" err="1"/>
+              <a:t>Information</a:t>
+            </a:r>
+            <a:r>
+              <a:rPr lang="sr-Latn-RS" dirty="0"/>
+              <a:t> </a:t>
+            </a:r>
+            <a:r>
+              <a:rPr lang="sr-Latn-RS" dirty="0" err="1"/>
+              <a:t>Gain</a:t>
+            </a:r>
+            <a:endParaRPr lang="sr-Latn-RS" dirty="0"/>
+          </a:p>
+        </p:txBody>
+      </p:sp>
+      <p:pic>
+        <p:nvPicPr>
+          <p:cNvPr id="3" name="Grafik 2">
+            <a:extLst>
+              <a:ext uri="{FF2B5EF4-FFF2-40B4-BE49-F238E27FC236}">
+                <a16:creationId xmlns:a16="http://schemas.microsoft.com/office/drawing/2014/main" id="{C63EFD73-61C1-DB46-B993-E194791CFC9F}"/>
+              </a:ext>
+            </a:extLst>
+          </p:cNvPr>
+          <p:cNvPicPr>
+            <a:picLocks noChangeAspect="1"/>
+          </p:cNvPicPr>
+          <p:nvPr/>
+        </p:nvPicPr>
+        <p:blipFill>
+          <a:blip r:embed="rId2"/>
+          <a:stretch>
+            <a:fillRect/>
+          </a:stretch>
+        </p:blipFill>
+        <p:spPr>
+          <a:xfrm>
+            <a:off x="314768" y="2711450"/>
+            <a:ext cx="9321800" cy="1435100"/>
+          </a:xfrm>
+          <a:prstGeom prst="rect">
+            <a:avLst/>
+          </a:prstGeom>
+        </p:spPr>
+      </p:pic>
+    </p:spTree>
+    <p:extLst>
+      <p:ext uri="{BB962C8B-B14F-4D97-AF65-F5344CB8AC3E}">
+        <p14:creationId xmlns:p14="http://schemas.microsoft.com/office/powerpoint/2010/main" val="1189716231"/>
+      </p:ext>
+    </p:extLst>
+  </p:cSld>
+  <p:clrMapOvr>
+    <a:masterClrMapping/>
+  </p:clrMapOvr>
+</p:sld>
+</file>
+
+<file path=ppt/slides/slide9.xml><?xml version="1.0" encoding="utf-8"?>
+<p:sld xmlns:a="http://schemas.openxmlformats.org/drawingml/2006/main" xmlns:r="http://schemas.openxmlformats.org/officeDocument/2006/relationships" xmlns:p="http://schemas.openxmlformats.org/presentationml/2006/main">
+  <p:cSld>
+    <p:spTree>
+      <p:nvGrpSpPr>
+        <p:cNvPr id="1" name=""/>
+        <p:cNvGrpSpPr/>
+        <p:nvPr/>
+      </p:nvGrpSpPr>
+      <p:grpSpPr>
+        <a:xfrm>
+          <a:off x="0" y="0"/>
+          <a:ext cx="0" cy="0"/>
+          <a:chOff x="0" y="0"/>
+          <a:chExt cx="0" cy="0"/>
+        </a:xfrm>
+      </p:grpSpPr>
+      <p:sp>
+        <p:nvSpPr>
+          <p:cNvPr id="2" name="Title 1">
+            <a:extLst>
+              <a:ext uri="{FF2B5EF4-FFF2-40B4-BE49-F238E27FC236}">
+                <a16:creationId xmlns:a16="http://schemas.microsoft.com/office/drawing/2014/main" id="{CCC9D024-0284-7246-8359-1CE8E0189627}"/>
+              </a:ext>
+            </a:extLst>
+          </p:cNvPr>
+          <p:cNvSpPr>
+            <a:spLocks noGrp="1"/>
+          </p:cNvSpPr>
+          <p:nvPr>
+            <p:ph type="title"/>
+          </p:nvPr>
+        </p:nvSpPr>
+        <p:spPr/>
+        <p:txBody>
+          <a:bodyPr/>
+          <a:lstStyle/>
+          <a:p>
+            <a:r>
+              <a:rPr lang="sr-Latn-RS" dirty="0" err="1"/>
+              <a:t>Pruning</a:t>
+            </a:r>
+            <a:r>
+              <a:rPr lang="sr-Latn-RS" dirty="0"/>
+              <a:t> (</a:t>
+            </a:r>
+            <a:r>
+              <a:rPr lang="sr-Latn-RS" dirty="0" err="1"/>
+              <a:t>ass</a:t>
+            </a:r>
+            <a:r>
+              <a:rPr lang="sr-Latn-RS" dirty="0"/>
+              <a:t>. 6 &amp; 7)</a:t>
+            </a:r>
+          </a:p>
+        </p:txBody>
+      </p:sp>
+      <p:pic>
+        <p:nvPicPr>
+          <p:cNvPr id="5" name="Content Placeholder 4">
+            <a:extLst>
+              <a:ext uri="{FF2B5EF4-FFF2-40B4-BE49-F238E27FC236}">
+                <a16:creationId xmlns:a16="http://schemas.microsoft.com/office/drawing/2014/main" id="{DEA73D87-3830-2C4A-94D2-7BB971F73E51}"/>
+              </a:ext>
+            </a:extLst>
+          </p:cNvPr>
+          <p:cNvPicPr>
+            <a:picLocks noGrp="1" noChangeAspect="1"/>
+          </p:cNvPicPr>
+          <p:nvPr>
+            <p:ph idx="1"/>
+          </p:nvPr>
+        </p:nvPicPr>
+        <p:blipFill>
+          <a:blip r:embed="rId2"/>
+          <a:stretch>
+            <a:fillRect/>
+          </a:stretch>
+        </p:blipFill>
+        <p:spPr>
+          <a:xfrm>
+            <a:off x="6096000" y="1795346"/>
+            <a:ext cx="5744761" cy="4308570"/>
+          </a:xfrm>
+        </p:spPr>
+      </p:pic>
+      <p:pic>
+        <p:nvPicPr>
+          <p:cNvPr id="9" name="Picture 8">
+            <a:extLst>
+              <a:ext uri="{FF2B5EF4-FFF2-40B4-BE49-F238E27FC236}">
+                <a16:creationId xmlns:a16="http://schemas.microsoft.com/office/drawing/2014/main" id="{DC41DD48-C44C-0E4C-BD17-454CD88ABD3F}"/>
+              </a:ext>
+            </a:extLst>
+          </p:cNvPr>
+          <p:cNvPicPr>
+            <a:picLocks noChangeAspect="1"/>
+          </p:cNvPicPr>
+          <p:nvPr/>
+        </p:nvPicPr>
+        <p:blipFill>
+          <a:blip r:embed="rId3"/>
+          <a:stretch>
+            <a:fillRect/>
+          </a:stretch>
+        </p:blipFill>
+        <p:spPr>
+          <a:xfrm>
+            <a:off x="79170" y="1657268"/>
+            <a:ext cx="5928865" cy="4446648"/>
+          </a:xfrm>
+          <a:prstGeom prst="rect">
+            <a:avLst/>
+          </a:prstGeom>
+        </p:spPr>
+      </p:pic>
+      <p:sp>
+        <p:nvSpPr>
+          <p:cNvPr id="6" name="Abgerundetes Rechteck 5">
+            <a:extLst>
+              <a:ext uri="{FF2B5EF4-FFF2-40B4-BE49-F238E27FC236}">
+                <a16:creationId xmlns:a16="http://schemas.microsoft.com/office/drawing/2014/main" id="{49F2A8C5-F371-B04B-8609-CEC3FEB99065}"/>
+              </a:ext>
+            </a:extLst>
+          </p:cNvPr>
+          <p:cNvSpPr/>
+          <p:nvPr/>
+        </p:nvSpPr>
+        <p:spPr>
+          <a:xfrm>
+            <a:off x="4077630" y="2105098"/>
+            <a:ext cx="617033" cy="3793897"/>
+          </a:xfrm>
+          <a:prstGeom prst="roundRect">
+            <a:avLst/>
+          </a:prstGeom>
+          <a:noFill/>
+          <a:ln w="38100">
+            <a:solidFill>
+              <a:schemeClr val="accent4"/>
+            </a:solidFill>
+          </a:ln>
+        </p:spPr>
+        <p:style>
+          <a:lnRef idx="2">
+            <a:schemeClr val="accent1">
+              <a:shade val="50000"/>
+            </a:schemeClr>
+          </a:lnRef>
+          <a:fillRef idx="1">
+            <a:schemeClr val="accent1"/>
+          </a:fillRef>
+          <a:effectRef idx="0">
+            <a:schemeClr val="accent1"/>
+          </a:effectRef>
+          <a:fontRef idx="minor">
+            <a:schemeClr val="lt1"/>
+          </a:fontRef>
+        </p:style>
+        <p:txBody>
+          <a:bodyPr rtlCol="0" anchor="ctr"/>
+          <a:lstStyle/>
+          <a:p>
+            <a:pPr algn="ctr"/>
+            <a:endParaRPr lang="en-US"/>
+          </a:p>
+        </p:txBody>
+      </p:sp>
+      <p:sp>
+        <p:nvSpPr>
+          <p:cNvPr id="8" name="Abgerundetes Rechteck 7">
+            <a:extLst>
+              <a:ext uri="{FF2B5EF4-FFF2-40B4-BE49-F238E27FC236}">
+                <a16:creationId xmlns:a16="http://schemas.microsoft.com/office/drawing/2014/main" id="{0FCDE219-3C56-5A48-9777-E76CA6058F86}"/>
+              </a:ext>
+            </a:extLst>
+          </p:cNvPr>
+          <p:cNvSpPr/>
+          <p:nvPr/>
+        </p:nvSpPr>
+        <p:spPr>
+          <a:xfrm>
+            <a:off x="9950740" y="2105098"/>
+            <a:ext cx="617033" cy="3793897"/>
+          </a:xfrm>
+          <a:prstGeom prst="roundRect">
+            <a:avLst/>
+          </a:prstGeom>
+          <a:noFill/>
+          <a:ln w="38100">
+            <a:solidFill>
+              <a:schemeClr val="accent4"/>
+            </a:solidFill>
+          </a:ln>
+        </p:spPr>
+        <p:style>
+          <a:lnRef idx="2">
+            <a:schemeClr val="accent1">
+              <a:shade val="50000"/>
+            </a:schemeClr>
+          </a:lnRef>
+          <a:fillRef idx="1">
+            <a:schemeClr val="accent1"/>
+          </a:fillRef>
+          <a:effectRef idx="0">
+            <a:schemeClr val="accent1"/>
+          </a:effectRef>
+          <a:fontRef idx="minor">
+            <a:schemeClr val="lt1"/>
+          </a:fontRef>
+        </p:style>
+        <p:txBody>
+          <a:bodyPr rtlCol="0" anchor="ctr"/>
+          <a:lstStyle/>
+          <a:p>
+            <a:pPr algn="ctr"/>
+            <a:endParaRPr lang="en-US"/>
+          </a:p>
+        </p:txBody>
+      </p:sp>
+    </p:spTree>
+    <p:extLst>
+      <p:ext uri="{BB962C8B-B14F-4D97-AF65-F5344CB8AC3E}">
+        <p14:creationId xmlns:p14="http://schemas.microsoft.com/office/powerpoint/2010/main" val="976900457"/>
       </p:ext>
     </p:extLst>
   </p:cSld>

--- a/Presentation3.pptx
+++ b/Presentation3.pptx
@@ -867,7 +867,7 @@
             <a:fld id="{B61BEF0D-F0BB-DE4B-95CE-6DB70DBA9567}" type="datetimeFigureOut">
               <a:rPr lang="en-US" smtClean="0"/>
               <a:pPr/>
-              <a:t>9/19/21</a:t>
+              <a:t>9/20/21</a:t>
             </a:fld>
             <a:endParaRPr lang="en-US" dirty="0"/>
           </a:p>
@@ -1120,7 +1120,7 @@
             <a:fld id="{B61BEF0D-F0BB-DE4B-95CE-6DB70DBA9567}" type="datetimeFigureOut">
               <a:rPr lang="en-US" smtClean="0"/>
               <a:pPr/>
-              <a:t>9/19/21</a:t>
+              <a:t>9/20/21</a:t>
             </a:fld>
             <a:endParaRPr lang="en-US" dirty="0"/>
           </a:p>
@@ -1436,7 +1436,7 @@
             <a:fld id="{B61BEF0D-F0BB-DE4B-95CE-6DB70DBA9567}" type="datetimeFigureOut">
               <a:rPr lang="en-US" smtClean="0"/>
               <a:pPr/>
-              <a:t>9/19/21</a:t>
+              <a:t>9/20/21</a:t>
             </a:fld>
             <a:endParaRPr lang="en-US" dirty="0"/>
           </a:p>
@@ -1771,7 +1771,7 @@
             <a:fld id="{B61BEF0D-F0BB-DE4B-95CE-6DB70DBA9567}" type="datetimeFigureOut">
               <a:rPr lang="en-US" smtClean="0"/>
               <a:pPr/>
-              <a:t>9/19/21</a:t>
+              <a:t>9/20/21</a:t>
             </a:fld>
             <a:endParaRPr lang="en-US" dirty="0"/>
           </a:p>
@@ -2087,7 +2087,7 @@
             <a:fld id="{B61BEF0D-F0BB-DE4B-95CE-6DB70DBA9567}" type="datetimeFigureOut">
               <a:rPr lang="en-US" smtClean="0"/>
               <a:pPr/>
-              <a:t>9/19/21</a:t>
+              <a:t>9/20/21</a:t>
             </a:fld>
             <a:endParaRPr lang="en-US" dirty="0"/>
           </a:p>
@@ -2482,7 +2482,7 @@
             <a:fld id="{B61BEF0D-F0BB-DE4B-95CE-6DB70DBA9567}" type="datetimeFigureOut">
               <a:rPr lang="en-US" smtClean="0"/>
               <a:pPr/>
-              <a:t>9/19/21</a:t>
+              <a:t>9/20/21</a:t>
             </a:fld>
             <a:endParaRPr lang="en-US" dirty="0"/>
           </a:p>
@@ -2653,7 +2653,7 @@
           <a:p>
             <a:fld id="{55C6B4A9-1611-4792-9094-5F34BCA07E0B}" type="datetimeFigureOut">
               <a:rPr lang="en-US" smtClean="0"/>
-              <a:t>9/19/21</a:t>
+              <a:t>9/20/21</a:t>
             </a:fld>
             <a:endParaRPr lang="en-US" dirty="0"/>
           </a:p>
@@ -2834,7 +2834,7 @@
             <a:fld id="{B61BEF0D-F0BB-DE4B-95CE-6DB70DBA9567}" type="datetimeFigureOut">
               <a:rPr lang="en-US" smtClean="0"/>
               <a:pPr/>
-              <a:t>9/19/21</a:t>
+              <a:t>9/20/21</a:t>
             </a:fld>
             <a:endParaRPr lang="en-US" dirty="0"/>
           </a:p>
@@ -3006,7 +3006,7 @@
             <a:fld id="{B61BEF0D-F0BB-DE4B-95CE-6DB70DBA9567}" type="datetimeFigureOut">
               <a:rPr lang="en-US" smtClean="0"/>
               <a:pPr/>
-              <a:t>9/19/21</a:t>
+              <a:t>9/20/21</a:t>
             </a:fld>
             <a:endParaRPr lang="en-US" dirty="0"/>
           </a:p>
@@ -3255,7 +3255,7 @@
             <a:fld id="{B61BEF0D-F0BB-DE4B-95CE-6DB70DBA9567}" type="datetimeFigureOut">
               <a:rPr lang="en-US" smtClean="0"/>
               <a:pPr/>
-              <a:t>9/19/21</a:t>
+              <a:t>9/20/21</a:t>
             </a:fld>
             <a:endParaRPr lang="en-US" dirty="0"/>
           </a:p>
@@ -3488,7 +3488,7 @@
           <a:p>
             <a:fld id="{EB712588-04B1-427B-82EE-E8DB90309F08}" type="datetimeFigureOut">
               <a:rPr lang="en-US" smtClean="0"/>
-              <a:t>9/19/21</a:t>
+              <a:t>9/20/21</a:t>
             </a:fld>
             <a:endParaRPr lang="en-US" dirty="0"/>
           </a:p>
@@ -3863,7 +3863,7 @@
             <a:fld id="{B61BEF0D-F0BB-DE4B-95CE-6DB70DBA9567}" type="datetimeFigureOut">
               <a:rPr lang="en-US" smtClean="0"/>
               <a:pPr/>
-              <a:t>9/19/21</a:t>
+              <a:t>9/20/21</a:t>
             </a:fld>
             <a:endParaRPr lang="en-US" dirty="0"/>
           </a:p>
@@ -3988,7 +3988,7 @@
             <a:fld id="{B61BEF0D-F0BB-DE4B-95CE-6DB70DBA9567}" type="datetimeFigureOut">
               <a:rPr lang="en-US" smtClean="0"/>
               <a:pPr/>
-              <a:t>9/19/21</a:t>
+              <a:t>9/20/21</a:t>
             </a:fld>
             <a:endParaRPr lang="en-US" dirty="0"/>
           </a:p>
@@ -4085,7 +4085,7 @@
             <a:fld id="{B61BEF0D-F0BB-DE4B-95CE-6DB70DBA9567}" type="datetimeFigureOut">
               <a:rPr lang="en-US" smtClean="0"/>
               <a:pPr/>
-              <a:t>9/19/21</a:t>
+              <a:t>9/20/21</a:t>
             </a:fld>
             <a:endParaRPr lang="en-US" dirty="0"/>
           </a:p>
@@ -4341,7 +4341,7 @@
           <a:p>
             <a:fld id="{42A54C80-263E-416B-A8E0-580EDEADCBDC}" type="datetimeFigureOut">
               <a:rPr lang="en-US" smtClean="0"/>
-              <a:t>9/19/21</a:t>
+              <a:t>9/20/21</a:t>
             </a:fld>
             <a:endParaRPr lang="en-US" dirty="0"/>
           </a:p>
@@ -4648,7 +4648,7 @@
             <a:fld id="{B61BEF0D-F0BB-DE4B-95CE-6DB70DBA9567}" type="datetimeFigureOut">
               <a:rPr lang="en-US" smtClean="0"/>
               <a:pPr/>
-              <a:t>9/19/21</a:t>
+              <a:t>9/20/21</a:t>
             </a:fld>
             <a:endParaRPr lang="en-US" dirty="0"/>
           </a:p>
@@ -5351,7 +5351,7 @@
             <a:fld id="{B61BEF0D-F0BB-DE4B-95CE-6DB70DBA9567}" type="datetimeFigureOut">
               <a:rPr lang="en-US" smtClean="0"/>
               <a:pPr/>
-              <a:t>9/19/21</a:t>
+              <a:t>9/20/21</a:t>
             </a:fld>
             <a:endParaRPr lang="en-US" dirty="0"/>
           </a:p>
@@ -5998,15 +5998,15 @@
             </a:r>
             <a:r>
               <a:rPr lang="sr-Latn-RS" dirty="0"/>
-              <a:t> (</a:t>
+              <a:t> - </a:t>
             </a:r>
             <a:r>
               <a:rPr lang="sr-Latn-RS" dirty="0" err="1"/>
-              <a:t>ass</a:t>
+              <a:t>assignment</a:t>
             </a:r>
             <a:r>
               <a:rPr lang="sr-Latn-RS" dirty="0"/>
-              <a:t>. 6 &amp; 7)</a:t>
+              <a:t> 6 &amp; 7</a:t>
             </a:r>
           </a:p>
         </p:txBody>
@@ -6058,7 +6058,7 @@
         </p:blipFill>
         <p:spPr>
           <a:xfrm>
-            <a:off x="116626" y="1581341"/>
+            <a:off x="94065" y="1929476"/>
             <a:ext cx="5758565" cy="4318924"/>
           </a:xfrm>
           <a:prstGeom prst="rect">
@@ -6088,7 +6088,7 @@
         </p:blipFill>
         <p:spPr>
           <a:xfrm>
-            <a:off x="5852630" y="1581341"/>
+            <a:off x="5852630" y="1892682"/>
             <a:ext cx="5807624" cy="4355718"/>
           </a:xfrm>
           <a:prstGeom prst="rect">
@@ -6110,8 +6110,8 @@
         </p:nvSpPr>
         <p:spPr>
           <a:xfrm>
-            <a:off x="2784089" y="2082532"/>
-            <a:ext cx="617033" cy="3595474"/>
+            <a:off x="2761528" y="2446427"/>
+            <a:ext cx="617033" cy="3579713"/>
           </a:xfrm>
           <a:prstGeom prst="roundRect">
             <a:avLst/>
@@ -6162,7 +6162,7 @@
         </p:nvSpPr>
         <p:spPr>
           <a:xfrm>
-            <a:off x="8520093" y="2098293"/>
+            <a:off x="8520093" y="2409634"/>
             <a:ext cx="617033" cy="3595474"/>
           </a:xfrm>
           <a:prstGeom prst="roundRect">
@@ -6257,7 +6257,7 @@
         <p:spPr>
           <a:xfrm>
             <a:off x="675064" y="609600"/>
-            <a:ext cx="5614223" cy="1320800"/>
+            <a:ext cx="5937609" cy="1320800"/>
           </a:xfrm>
         </p:spPr>
         <p:txBody>
@@ -6283,7 +6283,18 @@
               <a:rPr lang="sr-Latn-RS" sz="2800" dirty="0" err="1"/>
               <a:t>properties</a:t>
             </a:r>
-            <a:endParaRPr lang="sr-Latn-RS" sz="2800" dirty="0"/>
+            <a:r>
+              <a:rPr lang="sr-Latn-RS" sz="2800" dirty="0"/>
+              <a:t> – </a:t>
+            </a:r>
+            <a:r>
+              <a:rPr lang="sr-Latn-RS" sz="2800" dirty="0" err="1"/>
+              <a:t>assignment</a:t>
+            </a:r>
+            <a:r>
+              <a:rPr lang="sr-Latn-RS" sz="2800" dirty="0"/>
+              <a:t> 0</a:t>
+            </a:r>
           </a:p>
         </p:txBody>
       </p:sp>
@@ -6426,7 +6437,7 @@
         <p:spPr>
           <a:xfrm>
             <a:off x="675065" y="609600"/>
-            <a:ext cx="6283296" cy="1320800"/>
+            <a:ext cx="6974672" cy="1320800"/>
           </a:xfrm>
         </p:spPr>
         <p:txBody>
@@ -6462,7 +6473,15 @@
             </a:r>
             <a:r>
               <a:rPr lang="sr-Latn-RS" sz="2800" dirty="0"/>
-              <a:t> </a:t>
+              <a:t> – </a:t>
+            </a:r>
+            <a:r>
+              <a:rPr lang="sr-Latn-RS" sz="2800" dirty="0" err="1"/>
+              <a:t>assignment</a:t>
+            </a:r>
+            <a:r>
+              <a:rPr lang="sr-Latn-RS" sz="2800" dirty="0"/>
+              <a:t> 0 &amp; 5 </a:t>
             </a:r>
           </a:p>
         </p:txBody>
@@ -6590,7 +6609,15 @@
           <a:p>
             <a:r>
               <a:rPr lang="sr-Latn-RS" dirty="0" err="1"/>
-              <a:t>Assignment</a:t>
+              <a:t>Performance</a:t>
+            </a:r>
+            <a:r>
+              <a:rPr lang="sr-Latn-RS" dirty="0"/>
+              <a:t> on test data - </a:t>
+            </a:r>
+            <a:r>
+              <a:rPr lang="sr-Latn-RS" dirty="0" err="1"/>
+              <a:t>assignment</a:t>
             </a:r>
             <a:r>
               <a:rPr lang="sr-Latn-RS" dirty="0"/>
@@ -6708,7 +6735,21 @@
               <a:rPr lang="sr-Latn-RS" dirty="0" err="1"/>
               <a:t>datasets</a:t>
             </a:r>
-            <a:endParaRPr lang="sr-Latn-RS" dirty="0"/>
+            <a:br>
+              <a:rPr lang="sr-Latn-RS" dirty="0"/>
+            </a:br>
+            <a:r>
+              <a:rPr lang="sr-Latn-RS" dirty="0"/>
+              <a:t>- </a:t>
+            </a:r>
+            <a:r>
+              <a:rPr lang="sr-Latn-RS" dirty="0" err="1"/>
+              <a:t>assignment</a:t>
+            </a:r>
+            <a:r>
+              <a:rPr lang="sr-Latn-RS" dirty="0"/>
+              <a:t> 1</a:t>
+            </a:r>
           </a:p>
         </p:txBody>
       </p:sp>
@@ -6797,7 +6838,18 @@
               <a:rPr lang="sr-Latn-RS" dirty="0" err="1"/>
               <a:t>Entropy</a:t>
             </a:r>
-            <a:endParaRPr lang="sr-Latn-RS" dirty="0"/>
+            <a:r>
+              <a:rPr lang="sr-Latn-RS" dirty="0"/>
+              <a:t> – </a:t>
+            </a:r>
+            <a:r>
+              <a:rPr lang="sr-Latn-RS" dirty="0" err="1"/>
+              <a:t>assignment</a:t>
+            </a:r>
+            <a:r>
+              <a:rPr lang="sr-Latn-RS" dirty="0"/>
+              <a:t> 2</a:t>
+            </a:r>
           </a:p>
         </p:txBody>
       </p:sp>
@@ -6825,7 +6877,7 @@
         </p:blipFill>
         <p:spPr>
           <a:xfrm>
-            <a:off x="784524" y="1652349"/>
+            <a:off x="593753" y="1930400"/>
             <a:ext cx="4349618" cy="1078975"/>
           </a:xfrm>
         </p:spPr>
@@ -6874,7 +6926,7 @@
         </p:nvSpPr>
         <p:spPr>
           <a:xfrm>
-            <a:off x="445553" y="3102738"/>
+            <a:off x="445553" y="3249966"/>
             <a:ext cx="5163014" cy="2308324"/>
           </a:xfrm>
           <a:prstGeom prst="rect">
@@ -6986,15 +7038,15 @@
             </a:r>
             <a:r>
               <a:rPr lang="sr-Latn-RS" dirty="0"/>
-              <a:t> (</a:t>
+              <a:t> - </a:t>
             </a:r>
             <a:r>
               <a:rPr lang="sr-Latn-RS" dirty="0" err="1"/>
-              <a:t>ass</a:t>
+              <a:t>assignment</a:t>
             </a:r>
             <a:r>
               <a:rPr lang="sr-Latn-RS" dirty="0"/>
-              <a:t>. 3 &amp; 4)</a:t>
+              <a:t> 3 &amp; 4</a:t>
             </a:r>
           </a:p>
         </p:txBody>
@@ -7255,7 +7307,18 @@
               <a:rPr lang="sr-Latn-RS" dirty="0" err="1"/>
               <a:t>Gain</a:t>
             </a:r>
-            <a:endParaRPr lang="sr-Latn-RS" dirty="0"/>
+            <a:r>
+              <a:rPr lang="sr-Latn-RS" dirty="0"/>
+              <a:t> – </a:t>
+            </a:r>
+            <a:r>
+              <a:rPr lang="sr-Latn-RS" dirty="0" err="1"/>
+              <a:t>assignment</a:t>
+            </a:r>
+            <a:r>
+              <a:rPr lang="sr-Latn-RS" dirty="0"/>
+              <a:t> 4</a:t>
+            </a:r>
           </a:p>
         </p:txBody>
       </p:sp>
@@ -7281,7 +7344,7 @@
         </p:blipFill>
         <p:spPr>
           <a:xfrm>
-            <a:off x="314768" y="2711450"/>
+            <a:off x="1435100" y="2912172"/>
             <a:ext cx="9321800" cy="1435100"/>
           </a:xfrm>
           <a:prstGeom prst="rect">
@@ -7346,15 +7409,15 @@
             </a:r>
             <a:r>
               <a:rPr lang="sr-Latn-RS" dirty="0"/>
-              <a:t> (</a:t>
+              <a:t> - </a:t>
             </a:r>
             <a:r>
               <a:rPr lang="sr-Latn-RS" dirty="0" err="1"/>
-              <a:t>ass</a:t>
+              <a:t>assignment</a:t>
             </a:r>
             <a:r>
               <a:rPr lang="sr-Latn-RS" dirty="0"/>
-              <a:t>. 6 &amp; 7)</a:t>
+              <a:t> 6 &amp; 7</a:t>
             </a:r>
           </a:p>
         </p:txBody>
@@ -7432,8 +7495,8 @@
         </p:nvSpPr>
         <p:spPr>
           <a:xfrm>
-            <a:off x="4077630" y="2105098"/>
-            <a:ext cx="617033" cy="3793897"/>
+            <a:off x="4077630" y="2185639"/>
+            <a:ext cx="617033" cy="3713356"/>
           </a:xfrm>
           <a:prstGeom prst="roundRect">
             <a:avLst/>
@@ -7484,8 +7547,8 @@
         </p:nvSpPr>
         <p:spPr>
           <a:xfrm>
-            <a:off x="9950740" y="2105098"/>
-            <a:ext cx="617033" cy="3793897"/>
+            <a:off x="9950740" y="2319454"/>
+            <a:ext cx="617033" cy="3579541"/>
           </a:xfrm>
           <a:prstGeom prst="roundRect">
             <a:avLst/>
